--- a/grid-incubation/incubator/projects/mdr/docs/presentations/openMDR_caBIGAnnualMeeting2009.pptx
+++ b/grid-incubation/incubator/projects/mdr/docs/presentations/openMDR_caBIGAnnualMeeting2009.pptx
@@ -225,7 +225,8 @@
           <a:p>
             <a:fld id="{B01CB9C8-E59D-D448-8F85-3517EED7E5C2}" type="datetimeFigureOut">
               <a:rPr lang="en-US" smtClean="0"/>
-              <a:t>7/8/09</a:t>
+              <a:pPr/>
+              <a:t>7/9/09</a:t>
             </a:fld>
             <a:endParaRPr lang="en-US"/>
           </a:p>
@@ -291,6 +292,7 @@
           <a:p>
             <a:fld id="{9A25F067-520E-7D43-86A0-A245BF1E8F32}" type="slidenum">
               <a:rPr lang="en-US" smtClean="0"/>
+              <a:pPr/>
               <a:t>‹#›</a:t>
             </a:fld>
             <a:endParaRPr lang="en-US"/>
@@ -410,7 +412,7 @@
               <a:pPr>
                 <a:defRPr/>
               </a:pPr>
-              <a:t>7/8/09</a:t>
+              <a:t>7/9/09</a:t>
             </a:fld>
             <a:endParaRPr lang="en-US"/>
           </a:p>
@@ -801,7 +803,7 @@
               </a:spcBef>
             </a:pPr>
             <a:r>
-              <a:rPr lang="en-US" smtClean="0"/>
+              <a:rPr lang="en-US" dirty="0" smtClean="0"/>
               <a:t>Can you get a narrower screen shot (i.e., tree structure takes up entire center panel) so that you can make bigger on the poster?</a:t>
             </a:r>
           </a:p>
@@ -1210,38 +1212,6 @@
           </a:p>
         </p:txBody>
       </p:sp>
-      <p:pic>
-        <p:nvPicPr>
-          <p:cNvPr id="1032" name="Picture 17" descr="4color_horz_medcenter_lrgfrmt.jpg"/>
-          <p:cNvPicPr>
-            <a:picLocks noChangeAspect="1"/>
-          </p:cNvPicPr>
-          <p:nvPr userDrawn="1"/>
-        </p:nvPicPr>
-        <p:blipFill>
-          <a:blip r:embed="rId3"/>
-          <a:srcRect/>
-          <a:stretch>
-            <a:fillRect/>
-          </a:stretch>
-        </p:blipFill>
-        <p:spPr bwMode="auto">
-          <a:xfrm>
-            <a:off x="1110343" y="691979"/>
-            <a:ext cx="5378904" cy="4271319"/>
-          </a:xfrm>
-          <a:prstGeom prst="rect">
-            <a:avLst/>
-          </a:prstGeom>
-          <a:noFill/>
-          <a:ln w="9525">
-            <a:noFill/>
-            <a:miter lim="800000"/>
-            <a:headEnd/>
-            <a:tailEnd/>
-          </a:ln>
-        </p:spPr>
-      </p:pic>
       <p:sp>
         <p:nvSpPr>
           <p:cNvPr id="23" name="TextBox 22"/>
@@ -1319,7 +1289,7 @@
           <p:nvPr userDrawn="1"/>
         </p:nvPicPr>
         <p:blipFill>
-          <a:blip r:embed="rId4"/>
+          <a:blip r:embed="rId3"/>
           <a:srcRect/>
           <a:stretch>
             <a:fillRect/>
@@ -1327,7 +1297,7 @@
         </p:blipFill>
         <p:spPr bwMode="auto">
           <a:xfrm>
-            <a:off x="37294458" y="988541"/>
+            <a:off x="37566600" y="3581400"/>
             <a:ext cx="5806711" cy="1878227"/>
           </a:xfrm>
           <a:prstGeom prst="rect">
@@ -1344,9 +1314,41 @@
       </p:pic>
       <p:pic>
         <p:nvPicPr>
-          <p:cNvPr id="20" name="Picture 9" descr="mdr.jpg"/>
+          <p:cNvPr id="13" name="Picture 9" descr="mdr.jpg"/>
           <p:cNvPicPr>
             <a:picLocks noChangeAspect="1"/>
+          </p:cNvPicPr>
+          <p:nvPr userDrawn="1"/>
+        </p:nvPicPr>
+        <p:blipFill>
+          <a:blip r:embed="rId4"/>
+          <a:srcRect/>
+          <a:stretch>
+            <a:fillRect/>
+          </a:stretch>
+        </p:blipFill>
+        <p:spPr bwMode="auto">
+          <a:xfrm>
+            <a:off x="1066800" y="2133600"/>
+            <a:ext cx="5435087" cy="1219200"/>
+          </a:xfrm>
+          <a:prstGeom prst="rect">
+            <a:avLst/>
+          </a:prstGeom>
+          <a:noFill/>
+          <a:ln w="9525">
+            <a:noFill/>
+            <a:miter lim="800000"/>
+            <a:headEnd/>
+            <a:tailEnd/>
+          </a:ln>
+        </p:spPr>
+      </p:pic>
+      <p:pic>
+        <p:nvPicPr>
+          <p:cNvPr id="14" name="Picture 6" descr="4color medcenter logo"/>
+          <p:cNvPicPr>
+            <a:picLocks noChangeAspect="1" noChangeArrowheads="1"/>
           </p:cNvPicPr>
           <p:nvPr userDrawn="1"/>
         </p:nvPicPr>
@@ -1359,8 +1361,8 @@
         </p:blipFill>
         <p:spPr bwMode="auto">
           <a:xfrm>
-            <a:off x="37490400" y="3163329"/>
-            <a:ext cx="5531650" cy="1878227"/>
+            <a:off x="37719000" y="457200"/>
+            <a:ext cx="5195094" cy="2514600"/>
           </a:xfrm>
           <a:prstGeom prst="rect">
             <a:avLst/>
@@ -1859,27 +1861,8 @@
                 <a:ea typeface="+mj-ea"/>
                 <a:cs typeface="Arial" pitchFamily="34" charset="0"/>
               </a:rPr>
-              <a:t>Alternative </a:t>
-            </a:r>
-            <a:r>
-              <a:rPr lang="en-US" b="1" dirty="0" smtClean="0">
-                <a:solidFill>
-                  <a:schemeClr val="bg1"/>
-                </a:solidFill>
-                <a:latin typeface="Arial" pitchFamily="34" charset="0"/>
-                <a:ea typeface="+mj-ea"/>
-                <a:cs typeface="Arial" pitchFamily="34" charset="0"/>
-              </a:rPr>
-              <a:t>Methods for Generating Semantically Annotated Grid Services</a:t>
-            </a:r>
-            <a:endParaRPr lang="en-US" b="1" dirty="0" smtClean="0">
-              <a:solidFill>
-                <a:schemeClr val="bg1"/>
-              </a:solidFill>
-              <a:latin typeface="Arial" pitchFamily="34" charset="0"/>
-              <a:ea typeface="+mj-ea"/>
-              <a:cs typeface="Arial" pitchFamily="34" charset="0"/>
-            </a:endParaRPr>
+              <a:t>Alternative Methods for Generating Semantically Annotated Grid Services</a:t>
+            </a:r>
           </a:p>
         </p:txBody>
       </p:sp>
@@ -1995,7 +1978,16 @@
                 </a:solidFill>
                 <a:cs typeface="Arial" charset="0"/>
               </a:rPr>
-              <a:t>, </a:t>
+              <a:t>, MS</a:t>
+            </a:r>
+            <a:r>
+              <a:rPr lang="en-US" sz="3600" b="1" baseline="30000" dirty="0" smtClean="0">
+                <a:solidFill>
+                  <a:schemeClr val="bg1"/>
+                </a:solidFill>
+                <a:cs typeface="Arial" charset="0"/>
+              </a:rPr>
+              <a:t>1</a:t>
             </a:r>
             <a:r>
               <a:rPr lang="en-US" sz="3600" b="1" dirty="0" smtClean="0">
@@ -2004,7 +1996,7 @@
                 </a:solidFill>
                 <a:cs typeface="Arial" charset="0"/>
               </a:rPr>
-              <a:t>MS</a:t>
+              <a:t>; Rakesh Dhaval, MS</a:t>
             </a:r>
             <a:r>
               <a:rPr lang="en-US" sz="3600" b="1" baseline="30000" dirty="0" smtClean="0">
@@ -2022,7 +2014,16 @@
                 </a:solidFill>
                 <a:cs typeface="Arial" charset="0"/>
               </a:rPr>
-              <a:t>; Rakesh Dhaval, </a:t>
+              <a:t>;  Scott </a:t>
+            </a:r>
+            <a:r>
+              <a:rPr lang="en-US" sz="3600" b="1" dirty="0" err="1" smtClean="0">
+                <a:solidFill>
+                  <a:schemeClr val="bg1"/>
+                </a:solidFill>
+                <a:cs typeface="Arial" charset="0"/>
+              </a:rPr>
+              <a:t>Oster</a:t>
             </a:r>
             <a:r>
               <a:rPr lang="en-US" sz="3600" b="1" dirty="0" smtClean="0">
@@ -2031,52 +2032,7 @@
                 </a:solidFill>
                 <a:cs typeface="Arial" charset="0"/>
               </a:rPr>
-              <a:t>MS</a:t>
-            </a:r>
-            <a:r>
-              <a:rPr lang="en-US" sz="3600" b="1" baseline="30000" dirty="0" smtClean="0">
-                <a:solidFill>
-                  <a:schemeClr val="bg1"/>
-                </a:solidFill>
-                <a:cs typeface="Arial" charset="0"/>
-              </a:rPr>
-              <a:t>1</a:t>
-            </a:r>
-            <a:r>
-              <a:rPr lang="en-US" sz="3600" b="1" dirty="0" smtClean="0">
-                <a:solidFill>
-                  <a:schemeClr val="bg1"/>
-                </a:solidFill>
-                <a:cs typeface="Arial" charset="0"/>
-              </a:rPr>
-              <a:t>;  Scott </a:t>
-            </a:r>
-            <a:r>
-              <a:rPr lang="en-US" sz="3600" b="1" dirty="0" err="1" smtClean="0">
-                <a:solidFill>
-                  <a:schemeClr val="bg1"/>
-                </a:solidFill>
-                <a:cs typeface="Arial" charset="0"/>
-              </a:rPr>
-              <a:t>Oster</a:t>
-            </a:r>
-            <a:r>
-              <a:rPr lang="en-US" sz="3600" b="1" dirty="0" smtClean="0">
-                <a:solidFill>
-                  <a:schemeClr val="bg1"/>
-                </a:solidFill>
-                <a:cs typeface="Arial" charset="0"/>
-              </a:rPr>
-              <a:t>, </a:t>
-            </a:r>
-            <a:r>
-              <a:rPr lang="en-US" sz="3600" b="1" dirty="0" smtClean="0">
-                <a:solidFill>
-                  <a:schemeClr val="bg1"/>
-                </a:solidFill>
-                <a:cs typeface="Arial" charset="0"/>
-              </a:rPr>
-              <a:t>MS</a:t>
+              <a:t>, MS</a:t>
             </a:r>
             <a:r>
               <a:rPr lang="en-US" sz="3600" b="1" baseline="30000" dirty="0" smtClean="0">
@@ -2172,100 +2128,6 @@
       </p:sp>
       <p:sp>
         <p:nvSpPr>
-          <p:cNvPr id="6202" name="AutoShape 425"/>
-          <p:cNvSpPr>
-            <a:spLocks noChangeArrowheads="1"/>
-          </p:cNvSpPr>
-          <p:nvPr/>
-        </p:nvSpPr>
-        <p:spPr bwMode="auto">
-          <a:xfrm>
-            <a:off x="29718000" y="39243000"/>
-            <a:ext cx="13441136" cy="1303639"/>
-          </a:xfrm>
-          <a:prstGeom prst="roundRect">
-            <a:avLst>
-              <a:gd name="adj" fmla="val 16667"/>
-            </a:avLst>
-          </a:prstGeom>
-          <a:solidFill>
-            <a:srgbClr val="D9D5D9"/>
-          </a:solidFill>
-          <a:ln w="9525">
-            <a:solidFill>
-              <a:srgbClr val="B2B2B2"/>
-            </a:solidFill>
-            <a:round/>
-            <a:headEnd/>
-            <a:tailEnd/>
-          </a:ln>
-        </p:spPr>
-        <p:txBody>
-          <a:bodyPr wrap="none" lIns="82589" tIns="41294" rIns="82589" bIns="41294" anchor="ctr"/>
-          <a:lstStyle/>
-          <a:p>
-            <a:pPr algn="ctr" defTabSz="3776708"/>
-            <a:r>
-              <a:rPr lang="en-US" sz="6500" b="1" dirty="0">
-                <a:latin typeface="Calibri" pitchFamily="34" charset="0"/>
-              </a:rPr>
-              <a:t>Discussion</a:t>
-            </a:r>
-          </a:p>
-        </p:txBody>
-      </p:sp>
-      <p:sp>
-        <p:nvSpPr>
-          <p:cNvPr id="23" name="TextBox 22"/>
-          <p:cNvSpPr txBox="1"/>
-          <p:nvPr/>
-        </p:nvSpPr>
-        <p:spPr>
-          <a:xfrm>
-            <a:off x="29718000" y="41148000"/>
-            <a:ext cx="13441136" cy="1145224"/>
-          </a:xfrm>
-          <a:prstGeom prst="rect">
-            <a:avLst/>
-          </a:prstGeom>
-          <a:noFill/>
-        </p:spPr>
-        <p:txBody>
-          <a:bodyPr lIns="82589" tIns="41294" rIns="82589" bIns="41294">
-            <a:spAutoFit/>
-          </a:bodyPr>
-          <a:lstStyle/>
-          <a:p>
-            <a:pPr marL="1651772" indent="-1651772">
-              <a:defRPr/>
-            </a:pPr>
-            <a:r>
-              <a:rPr lang="en-US" sz="3600" b="1" dirty="0" smtClean="0">
-                <a:latin typeface="Calibri" pitchFamily="34" charset="0"/>
-              </a:rPr>
-              <a:t>References</a:t>
-            </a:r>
-          </a:p>
-          <a:p>
-            <a:pPr marL="619415" indent="-619415" algn="just">
-              <a:buFont typeface="Calibri" pitchFamily="34" charset="0"/>
-              <a:buAutoNum type="arabicPeriod"/>
-              <a:defRPr/>
-            </a:pPr>
-            <a:r>
-              <a:rPr lang="en-US" sz="3300" dirty="0" smtClean="0">
-                <a:latin typeface="Calibri" pitchFamily="34" charset="0"/>
-              </a:rPr>
-              <a:t>Something</a:t>
-            </a:r>
-            <a:endParaRPr lang="en-US" sz="3300" dirty="0">
-              <a:latin typeface="Calibri" pitchFamily="34" charset="0"/>
-            </a:endParaRPr>
-          </a:p>
-        </p:txBody>
-      </p:sp>
-      <p:sp>
-        <p:nvSpPr>
           <p:cNvPr id="6205" name="AutoShape 422"/>
           <p:cNvSpPr>
             <a:spLocks noChangeArrowheads="1"/>
@@ -2313,53 +2175,6 @@
       </p:sp>
       <p:sp>
         <p:nvSpPr>
-          <p:cNvPr id="6206" name="TextBox 38"/>
-          <p:cNvSpPr txBox="1">
-            <a:spLocks noChangeArrowheads="1"/>
-          </p:cNvSpPr>
-          <p:nvPr/>
-        </p:nvSpPr>
-        <p:spPr bwMode="auto">
-          <a:xfrm>
-            <a:off x="29641800" y="40538400"/>
-            <a:ext cx="13441136" cy="668170"/>
-          </a:xfrm>
-          <a:prstGeom prst="rect">
-            <a:avLst/>
-          </a:prstGeom>
-          <a:noFill/>
-          <a:ln w="9525">
-            <a:noFill/>
-            <a:miter lim="800000"/>
-            <a:headEnd/>
-            <a:tailEnd/>
-          </a:ln>
-        </p:spPr>
-        <p:txBody>
-          <a:bodyPr lIns="82589" tIns="41294" rIns="82589" bIns="41294">
-            <a:spAutoFit/>
-          </a:bodyPr>
-          <a:lstStyle/>
-          <a:p>
-            <a:pPr algn="just">
-              <a:buClr>
-                <a:srgbClr val="C00000"/>
-              </a:buClr>
-            </a:pPr>
-            <a:r>
-              <a:rPr lang="en-US" sz="3800" dirty="0" smtClean="0">
-                <a:latin typeface="Calibri" pitchFamily="34" charset="0"/>
-              </a:rPr>
-              <a:t>Some discussion</a:t>
-            </a:r>
-            <a:endParaRPr lang="en-US" sz="3800" dirty="0">
-              <a:latin typeface="Calibri" pitchFamily="34" charset="0"/>
-            </a:endParaRPr>
-          </a:p>
-        </p:txBody>
-      </p:sp>
-      <p:sp>
-        <p:nvSpPr>
           <p:cNvPr id="6213" name="TextBox 9"/>
           <p:cNvSpPr txBox="1">
             <a:spLocks noChangeArrowheads="1"/>
@@ -2411,67 +2226,7 @@
             </a:r>
             <a:r>
               <a:rPr lang="en-US" sz="4000" dirty="0" smtClean="0"/>
-              <a:t> project. </a:t>
-            </a:r>
-            <a:r>
-              <a:rPr lang="en-US" sz="4000" dirty="0" smtClean="0"/>
-              <a:t>It enables smaller groups or institutions to easily stand up local metadata</a:t>
-            </a:r>
-            <a:r>
-              <a:rPr lang="en-US" sz="4000" dirty="0" smtClean="0"/>
-              <a:t> registries </a:t>
-            </a:r>
-            <a:r>
-              <a:rPr lang="en-US" sz="4000" dirty="0" smtClean="0"/>
-              <a:t>and curate semantic metadata.</a:t>
-            </a:r>
-            <a:r>
-              <a:rPr lang="en-US" sz="4000" dirty="0" smtClean="0"/>
-              <a:t> This </a:t>
-            </a:r>
-            <a:r>
-              <a:rPr lang="en-US" sz="4000" dirty="0" smtClean="0"/>
-              <a:t>metadata can then be used to annotate</a:t>
-            </a:r>
-            <a:r>
-              <a:rPr lang="en-US" sz="4000" dirty="0" smtClean="0"/>
-              <a:t> data </a:t>
-            </a:r>
-            <a:r>
-              <a:rPr lang="en-US" sz="4000" dirty="0" smtClean="0"/>
-              <a:t>model </a:t>
-            </a:r>
-            <a:r>
-              <a:rPr lang="en-US" sz="4000" dirty="0" smtClean="0"/>
-              <a:t>generated using </a:t>
-            </a:r>
-            <a:r>
-              <a:rPr lang="en-US" sz="4000" dirty="0" smtClean="0"/>
-              <a:t>Enterprise </a:t>
-            </a:r>
-            <a:r>
-              <a:rPr lang="en-US" sz="4000" dirty="0" smtClean="0"/>
-              <a:t>Architect tool. </a:t>
-            </a:r>
-            <a:r>
-              <a:rPr lang="en-US" sz="4000" dirty="0" smtClean="0"/>
-              <a:t>T</a:t>
-            </a:r>
-            <a:r>
-              <a:rPr lang="en-US" sz="4000" dirty="0" smtClean="0"/>
-              <a:t>he </a:t>
-            </a:r>
-            <a:r>
-              <a:rPr lang="en-US" sz="4000" dirty="0" smtClean="0"/>
-              <a:t>model can then</a:t>
-            </a:r>
-            <a:r>
-              <a:rPr lang="en-US" sz="4000" dirty="0" smtClean="0"/>
-              <a:t> be </a:t>
-            </a:r>
-            <a:r>
-              <a:rPr lang="en-US" sz="4000" dirty="0" smtClean="0"/>
-              <a:t>used to generate the required semantic metadata used by </a:t>
+              <a:t> project. It enables smaller groups or institutions to easily stand up local metadata registries and curate semantic metadata. This metadata can then be used to annotate data model generated using Enterprise Architect tool. The model can then be used to generate the required semantic metadata used by </a:t>
             </a:r>
             <a:r>
               <a:rPr lang="en-US" sz="4000" dirty="0" err="1" smtClean="0"/>
@@ -2479,31 +2234,7 @@
             </a:r>
             <a:r>
               <a:rPr lang="en-US" sz="4000" dirty="0" smtClean="0"/>
-              <a:t> grid services.</a:t>
-            </a:r>
-            <a:r>
-              <a:rPr lang="en-US" sz="4000" dirty="0" smtClean="0"/>
-              <a:t> This </a:t>
-            </a:r>
-            <a:r>
-              <a:rPr lang="en-US" sz="4000" dirty="0" smtClean="0"/>
-              <a:t>alternative process</a:t>
-            </a:r>
-            <a:r>
-              <a:rPr lang="en-US" sz="4000" dirty="0" smtClean="0"/>
-              <a:t> enables </a:t>
-            </a:r>
-            <a:r>
-              <a:rPr lang="en-US" sz="4000" dirty="0" smtClean="0"/>
-              <a:t>more agile knowledge management and</a:t>
-            </a:r>
-            <a:r>
-              <a:rPr lang="en-US" sz="4000" dirty="0" smtClean="0"/>
-              <a:t> evolution </a:t>
-            </a:r>
-            <a:r>
-              <a:rPr lang="en-US" sz="4000" dirty="0" smtClean="0"/>
-              <a:t>of knowledge over time without limitations of the currently available software that can only leverage the </a:t>
+              <a:t> grid services. This alternative process enables more agile knowledge management and evolution of knowledge over time without limitations of the currently available software that can only leverage the </a:t>
             </a:r>
             <a:r>
               <a:rPr lang="en-US" sz="4000" dirty="0" err="1" smtClean="0"/>
@@ -2511,11 +2242,7 @@
             </a:r>
             <a:r>
               <a:rPr lang="en-US" sz="4000" dirty="0" smtClean="0"/>
-              <a:t>.</a:t>
-            </a:r>
-            <a:r>
-              <a:rPr lang="en-US" sz="4000" dirty="0" smtClean="0"/>
-              <a:t> The </a:t>
+              <a:t>. The </a:t>
             </a:r>
             <a:r>
               <a:rPr lang="en-US" sz="4000" dirty="0" err="1" smtClean="0"/>
@@ -2627,7 +2354,7 @@
         </p:nvSpPr>
         <p:spPr bwMode="auto">
           <a:xfrm>
-            <a:off x="15468600" y="25146000"/>
+            <a:off x="15544800" y="24536400"/>
             <a:ext cx="13441136" cy="1303639"/>
           </a:xfrm>
           <a:prstGeom prst="roundRect">
@@ -2725,20 +2452,21 @@
             </a:r>
             <a:r>
               <a:rPr lang="en-US" sz="4000" dirty="0" smtClean="0"/>
-              <a:t> </a:t>
-            </a:r>
-            <a:r>
-              <a:rPr lang="en-US" sz="4000" dirty="0" smtClean="0"/>
-              <a:t>and </a:t>
-            </a:r>
-            <a:r>
-              <a:rPr lang="en-US" sz="4000" dirty="0" smtClean="0"/>
-              <a:t>SIW etc in order to create semantically annotated grid </a:t>
-            </a:r>
-            <a:r>
-              <a:rPr lang="en-US" sz="4000" dirty="0" smtClean="0"/>
-              <a:t>services</a:t>
-            </a:r>
+              <a:t> and SIW</a:t>
+            </a:r>
+            <a:r>
+              <a:rPr lang="en-US" sz="4000" dirty="0" smtClean="0"/>
+              <a:t> tools in </a:t>
+            </a:r>
+            <a:r>
+              <a:rPr lang="en-US" sz="4000" dirty="0" smtClean="0"/>
+              <a:t>order to create semantically annotated grid </a:t>
+            </a:r>
+            <a:r>
+              <a:rPr lang="en-US" sz="4000" dirty="0" smtClean="0"/>
+              <a:t>services.</a:t>
+            </a:r>
+            <a:endParaRPr lang="en-US" sz="4000" dirty="0" smtClean="0"/>
           </a:p>
         </p:txBody>
       </p:sp>
@@ -2781,11 +2509,7 @@
             </a:pPr>
             <a:r>
               <a:rPr lang="en-US" sz="4000" dirty="0" smtClean="0"/>
-              <a:t>M</a:t>
-            </a:r>
-            <a:r>
-              <a:rPr lang="en-US" sz="4000" dirty="0" smtClean="0"/>
-              <a:t>akes </a:t>
+              <a:t>Makes </a:t>
             </a:r>
             <a:r>
               <a:rPr lang="en-US" sz="4000" dirty="0" smtClean="0"/>
@@ -2805,12 +2529,9 @@
             </a:r>
             <a:r>
               <a:rPr lang="en-US" sz="4000" dirty="0" smtClean="0"/>
-              <a:t> project, which provides a lightweight ISO 11179 standards compliant metadata repository.</a:t>
-            </a:r>
-            <a:r>
-              <a:rPr lang="en-US" sz="4000" dirty="0" smtClean="0"/>
-              <a:t> </a:t>
-            </a:r>
+              <a:t> project, which provides a lightweight ISO 11179 standards compliant metadata repository. </a:t>
+            </a:r>
+            <a:endParaRPr lang="en-US" sz="4000" dirty="0" smtClean="0"/>
           </a:p>
           <a:p>
             <a:pPr marL="453090" indent="-453090" algn="just">
@@ -2822,15 +2543,11 @@
             </a:pPr>
             <a:r>
               <a:rPr lang="en-US" sz="4000" dirty="0" smtClean="0"/>
-              <a:t>Comprises of tools </a:t>
-            </a:r>
-            <a:r>
-              <a:rPr lang="en-US" sz="4000" dirty="0" smtClean="0"/>
-              <a:t>that enable semantic annotation from its own metadata repository, and can also resolve metadata and terminologies from remote resources</a:t>
-            </a:r>
-            <a:r>
-              <a:rPr lang="en-US" sz="4000" dirty="0" smtClean="0"/>
-              <a:t> </a:t>
+              <a:t>Makes use </a:t>
+            </a:r>
+            <a:r>
+              <a:rPr lang="en-US" sz="4000" dirty="0" smtClean="0"/>
+              <a:t>of tools that enable semantic annotation from its own metadata repository, and can also resolve metadata and terminologies from remote resources </a:t>
             </a:r>
           </a:p>
           <a:p>
@@ -2843,19 +2560,11 @@
             </a:pPr>
             <a:r>
               <a:rPr lang="en-US" sz="4000" dirty="0" smtClean="0"/>
-              <a:t>Provides choice to groups for </a:t>
-            </a:r>
-            <a:r>
-              <a:rPr lang="en-US" sz="4000" dirty="0" smtClean="0"/>
-              <a:t>managing semantic metadata and</a:t>
-            </a:r>
-            <a:r>
-              <a:rPr lang="en-US" sz="4000" dirty="0" smtClean="0"/>
-              <a:t> also give </a:t>
-            </a:r>
-            <a:r>
-              <a:rPr lang="en-US" sz="4000" dirty="0" smtClean="0"/>
-              <a:t>them the ability to create </a:t>
+              <a:t>Provides </a:t>
+            </a:r>
+            <a:r>
+              <a:rPr lang="en-US" sz="4000" dirty="0" smtClean="0"/>
+              <a:t>choice to groups for managing semantic metadata and also give them the ability to create </a:t>
             </a:r>
             <a:r>
               <a:rPr lang="en-US" sz="4000" dirty="0" err="1" smtClean="0"/>
@@ -2863,11 +2572,7 @@
             </a:r>
             <a:r>
               <a:rPr lang="en-US" sz="4000" dirty="0" smtClean="0"/>
-              <a:t> semantically annotated grid </a:t>
-            </a:r>
-            <a:r>
-              <a:rPr lang="en-US" sz="4000" dirty="0" smtClean="0"/>
-              <a:t>services</a:t>
+              <a:t> semantically annotated grid services</a:t>
             </a:r>
           </a:p>
           <a:p>
@@ -2880,11 +2585,27 @@
             </a:pPr>
             <a:r>
               <a:rPr lang="en-US" sz="4000" dirty="0" smtClean="0"/>
-              <a:t>Provides for user </a:t>
-            </a:r>
-            <a:r>
-              <a:rPr lang="en-US" sz="4000" dirty="0" smtClean="0"/>
-              <a:t>groups that don’t want for whatever reason to use the NCI </a:t>
+              <a:t>Provides for user groups that</a:t>
+            </a:r>
+            <a:r>
+              <a:rPr lang="en-US" sz="4000" dirty="0" smtClean="0"/>
+              <a:t> want to create a non authoritative metadata resource during </a:t>
+            </a:r>
+            <a:r>
+              <a:rPr lang="en-US" sz="4000" dirty="0" smtClean="0"/>
+              <a:t>development and do not </a:t>
+            </a:r>
+            <a:r>
+              <a:rPr lang="en-US" sz="4000" dirty="0" smtClean="0"/>
+              <a:t>want</a:t>
+            </a:r>
+            <a:r>
+              <a:rPr lang="en-US" sz="4000" dirty="0" smtClean="0"/>
+              <a:t> to </a:t>
+            </a:r>
+            <a:r>
+              <a:rPr lang="en-US" sz="4000" dirty="0" smtClean="0"/>
+              <a:t>use the NCI </a:t>
             </a:r>
             <a:r>
               <a:rPr lang="en-US" sz="4000" dirty="0" err="1" smtClean="0"/>
@@ -2892,16 +2613,9 @@
             </a:r>
             <a:r>
               <a:rPr lang="en-US" sz="4000" dirty="0" smtClean="0"/>
-              <a:t> or want to create a non authoritative metadata resource during </a:t>
-            </a:r>
-            <a:r>
-              <a:rPr lang="en-US" sz="4000" dirty="0" smtClean="0"/>
-              <a:t>development</a:t>
-            </a:r>
-            <a:r>
-              <a:rPr lang="en-US" sz="4000" dirty="0" smtClean="0"/>
               <a:t>.</a:t>
             </a:r>
+            <a:endParaRPr lang="en-US" sz="4000" dirty="0" smtClean="0"/>
           </a:p>
         </p:txBody>
       </p:sp>
@@ -2972,30 +2686,33 @@
               <a:buChar char="§"/>
             </a:pPr>
             <a:r>
+              <a:rPr lang="en-US" sz="4000" kern="0" dirty="0" err="1" smtClean="0">
+                <a:ea typeface="ＭＳ Ｐゴシック" pitchFamily="-109" charset="-128"/>
+                <a:cs typeface="ＭＳ Ｐゴシック" pitchFamily="-109" charset="-128"/>
+              </a:rPr>
+              <a:t>caDSR</a:t>
+            </a:r>
+            <a:r>
               <a:rPr lang="en-US" sz="4000" kern="0" dirty="0" smtClean="0">
                 <a:ea typeface="ＭＳ Ｐゴシック" pitchFamily="-109" charset="-128"/>
                 <a:cs typeface="ＭＳ Ｐゴシック" pitchFamily="-109" charset="-128"/>
               </a:rPr>
-              <a:t>Cannot </a:t>
+              <a:t> not </a:t>
             </a:r>
             <a:r>
               <a:rPr lang="en-US" sz="4000" kern="0" dirty="0" smtClean="0">
                 <a:ea typeface="ＭＳ Ｐゴシック" pitchFamily="-109" charset="-128"/>
                 <a:cs typeface="ＭＳ Ｐゴシック" pitchFamily="-109" charset="-128"/>
               </a:rPr>
-              <a:t>or not intended to stand up a "local" </a:t>
-            </a:r>
-            <a:r>
-              <a:rPr lang="en-US" sz="4000" kern="0" dirty="0" err="1" smtClean="0">
+              <a:t>intended to</a:t>
+            </a:r>
+            <a:r>
+              <a:rPr lang="en-US" sz="4000" kern="0" dirty="0" smtClean="0">
                 <a:ea typeface="ＭＳ Ｐゴシック" pitchFamily="-109" charset="-128"/>
                 <a:cs typeface="ＭＳ Ｐゴシック" pitchFamily="-109" charset="-128"/>
               </a:rPr>
-              <a:t>caDSR</a:t>
-            </a:r>
-            <a:endParaRPr lang="en-US" sz="4000" kern="0" dirty="0" smtClean="0">
-              <a:ea typeface="ＭＳ Ｐゴシック" pitchFamily="-109" charset="-128"/>
-              <a:cs typeface="ＭＳ Ｐゴシック" pitchFamily="-109" charset="-128"/>
-            </a:endParaRPr>
+              <a:t> be setup locally.</a:t>
+            </a:r>
           </a:p>
           <a:p>
             <a:pPr marL="453090" indent="-453090" algn="just">
@@ -3010,14 +2727,21 @@
                 <a:ea typeface="ＭＳ Ｐゴシック" pitchFamily="-109" charset="-128"/>
                 <a:cs typeface="ＭＳ Ｐゴシック" pitchFamily="-109" charset="-128"/>
               </a:rPr>
-              <a:t>The </a:t>
+              <a:t>No viable approach to copy content from NCI </a:t>
+            </a:r>
+            <a:r>
+              <a:rPr lang="en-US" sz="4000" kern="0" dirty="0" err="1" smtClean="0">
+                <a:ea typeface="ＭＳ Ｐゴシック" pitchFamily="-109" charset="-128"/>
+                <a:cs typeface="ＭＳ Ｐゴシック" pitchFamily="-109" charset="-128"/>
+              </a:rPr>
+              <a:t>caDSR</a:t>
             </a:r>
             <a:r>
               <a:rPr lang="en-US" sz="4000" kern="0" dirty="0" smtClean="0">
                 <a:ea typeface="ＭＳ Ｐゴシック" pitchFamily="-109" charset="-128"/>
                 <a:cs typeface="ＭＳ Ｐゴシック" pitchFamily="-109" charset="-128"/>
               </a:rPr>
-              <a:t>annotation tools and </a:t>
+              <a:t> to local </a:t>
             </a:r>
             <a:r>
               <a:rPr lang="en-US" sz="4000" kern="0" dirty="0" err="1" smtClean="0">
@@ -3026,20 +2750,10 @@
               </a:rPr>
               <a:t>caDSR</a:t>
             </a:r>
-            <a:r>
-              <a:rPr lang="en-US" sz="4000" kern="0" dirty="0" smtClean="0">
-                <a:ea typeface="ＭＳ Ｐゴシック" pitchFamily="-109" charset="-128"/>
-                <a:cs typeface="ＭＳ Ｐゴシック" pitchFamily="-109" charset="-128"/>
-              </a:rPr>
-              <a:t> cannot annotate or store a model that is annotated by more that one metadata </a:t>
-            </a:r>
-            <a:r>
-              <a:rPr lang="en-US" sz="4000" kern="0" dirty="0" smtClean="0">
-                <a:ea typeface="ＭＳ Ｐゴシック" pitchFamily="-109" charset="-128"/>
-                <a:cs typeface="ＭＳ Ｐゴシック" pitchFamily="-109" charset="-128"/>
-              </a:rPr>
-              <a:t>registry</a:t>
-            </a:r>
+            <a:endParaRPr lang="en-US" sz="4000" kern="0" dirty="0" smtClean="0">
+              <a:ea typeface="ＭＳ Ｐゴシック" pitchFamily="-109" charset="-128"/>
+              <a:cs typeface="ＭＳ Ｐゴシック" pitchFamily="-109" charset="-128"/>
+            </a:endParaRPr>
           </a:p>
           <a:p>
             <a:pPr marL="453090" indent="-453090" algn="just">
@@ -3054,14 +2768,42 @@
                 <a:ea typeface="ＭＳ Ｐゴシック" pitchFamily="-109" charset="-128"/>
                 <a:cs typeface="ＭＳ Ｐゴシック" pitchFamily="-109" charset="-128"/>
               </a:rPr>
-              <a:t>Hard </a:t>
+              <a:t>Semantic Integration Workbench</a:t>
             </a:r>
             <a:r>
               <a:rPr lang="en-US" sz="4000" kern="0" dirty="0" smtClean="0">
                 <a:ea typeface="ＭＳ Ｐゴシック" pitchFamily="-109" charset="-128"/>
                 <a:cs typeface="ＭＳ Ｐゴシック" pitchFamily="-109" charset="-128"/>
               </a:rPr>
-              <a:t>to or cannot copy content from NCI </a:t>
+              <a:t> (SIW) </a:t>
+            </a:r>
+            <a:r>
+              <a:rPr lang="en-US" sz="4000" kern="0" dirty="0" smtClean="0">
+                <a:ea typeface="ＭＳ Ｐゴシック" pitchFamily="-109" charset="-128"/>
+                <a:cs typeface="ＭＳ Ｐゴシック" pitchFamily="-109" charset="-128"/>
+              </a:rPr>
+              <a:t>cannot </a:t>
+            </a:r>
+            <a:r>
+              <a:rPr lang="en-US" sz="4000" kern="0" dirty="0" smtClean="0">
+                <a:ea typeface="ＭＳ Ｐゴシック" pitchFamily="-109" charset="-128"/>
+                <a:cs typeface="ＭＳ Ｐゴシック" pitchFamily="-109" charset="-128"/>
+              </a:rPr>
+              <a:t>annotate</a:t>
+            </a:r>
+            <a:r>
+              <a:rPr lang="en-US" sz="4000" kern="0" dirty="0" smtClean="0">
+                <a:ea typeface="ＭＳ Ｐゴシック" pitchFamily="-109" charset="-128"/>
+                <a:cs typeface="ＭＳ Ｐゴシック" pitchFamily="-109" charset="-128"/>
+              </a:rPr>
+              <a:t> </a:t>
+            </a:r>
+            <a:r>
+              <a:rPr lang="en-US" sz="4000" kern="0" dirty="0" smtClean="0">
+                <a:ea typeface="ＭＳ Ｐゴシック" pitchFamily="-109" charset="-128"/>
+                <a:cs typeface="ＭＳ Ｐゴシック" pitchFamily="-109" charset="-128"/>
+              </a:rPr>
+              <a:t>and </a:t>
             </a:r>
             <a:r>
               <a:rPr lang="en-US" sz="4000" kern="0" dirty="0" err="1" smtClean="0">
@@ -3075,14 +2817,21 @@
                 <a:ea typeface="ＭＳ Ｐゴシック" pitchFamily="-109" charset="-128"/>
                 <a:cs typeface="ＭＳ Ｐゴシック" pitchFamily="-109" charset="-128"/>
               </a:rPr>
-              <a:t> to your own </a:t>
-            </a:r>
-            <a:r>
-              <a:rPr lang="en-US" sz="4000" kern="0" dirty="0" err="1" smtClean="0">
+              <a:t> cannot</a:t>
+            </a:r>
+            <a:r>
+              <a:rPr lang="en-US" sz="4000" kern="0" dirty="0" smtClean="0">
                 <a:ea typeface="ＭＳ Ｐゴシック" pitchFamily="-109" charset="-128"/>
                 <a:cs typeface="ＭＳ Ｐゴシック" pitchFamily="-109" charset="-128"/>
               </a:rPr>
-              <a:t>caDSR</a:t>
+              <a:t> </a:t>
+            </a:r>
+            <a:r>
+              <a:rPr lang="en-US" sz="4000" kern="0" dirty="0" smtClean="0">
+                <a:ea typeface="ＭＳ Ｐゴシック" pitchFamily="-109" charset="-128"/>
+                <a:cs typeface="ＭＳ Ｐゴシック" pitchFamily="-109" charset="-128"/>
+              </a:rPr>
+              <a:t>store a model that is annotated by more that one metadata registry</a:t>
             </a:r>
             <a:endParaRPr lang="en-US" sz="4000" kern="0" dirty="0" smtClean="0">
               <a:ea typeface="ＭＳ Ｐゴシック" pitchFamily="-109" charset="-128"/>
@@ -3116,7 +2865,21 @@
                 <a:ea typeface="ＭＳ Ｐゴシック" pitchFamily="-109" charset="-128"/>
                 <a:cs typeface="ＭＳ Ｐゴシック" pitchFamily="-109" charset="-128"/>
               </a:rPr>
-              <a:t>tools currently can only create grid data services that use models which have gone through the Semantic Integration Workbench (SIW), which makes current use of NCI source of metadata approach inevitable.</a:t>
+              <a:t>tools currently can only create grid data services that use models which have gone through the</a:t>
+            </a:r>
+            <a:r>
+              <a:rPr lang="en-US" sz="4000" kern="0" dirty="0" smtClean="0">
+                <a:ea typeface="ＭＳ Ｐゴシック" pitchFamily="-109" charset="-128"/>
+                <a:cs typeface="ＭＳ Ｐゴシック" pitchFamily="-109" charset="-128"/>
+              </a:rPr>
+              <a:t> (</a:t>
+            </a:r>
+            <a:r>
+              <a:rPr lang="en-US" sz="4000" kern="0" dirty="0" smtClean="0">
+                <a:ea typeface="ＭＳ Ｐゴシック" pitchFamily="-109" charset="-128"/>
+                <a:cs typeface="ＭＳ Ｐゴシック" pitchFamily="-109" charset="-128"/>
+              </a:rPr>
+              <a:t>SIW), which makes current use of NCI source of metadata approach inevitable.</a:t>
             </a:r>
             <a:endParaRPr lang="en-US" sz="2800" kern="0" dirty="0" smtClean="0">
               <a:ea typeface="ＭＳ Ｐゴシック" pitchFamily="-109" charset="-128"/>
@@ -3186,11 +2949,7 @@
             </a:r>
             <a:r>
               <a:rPr lang="en-US" sz="4000" i="1" dirty="0" smtClean="0"/>
-              <a:t>Current </a:t>
-            </a:r>
-            <a:r>
-              <a:rPr lang="en-US" sz="4000" i="1" dirty="0" smtClean="0"/>
-              <a:t>process of model development using NCI's infrastructure components.</a:t>
+              <a:t>Current process of model development using NCI's infrastructure components.</a:t>
             </a:r>
             <a:endParaRPr lang="en-US" sz="4000" dirty="0" smtClean="0"/>
           </a:p>
@@ -3206,7 +2965,7 @@
         </p:nvSpPr>
         <p:spPr bwMode="auto">
           <a:xfrm>
-            <a:off x="15544800" y="23469600"/>
+            <a:off x="15544800" y="22936200"/>
             <a:ext cx="13454743" cy="1314501"/>
           </a:xfrm>
           <a:prstGeom prst="rect">
@@ -3237,15 +2996,7 @@
             </a:r>
             <a:r>
               <a:rPr lang="en-US" sz="4000" i="1" dirty="0" smtClean="0"/>
-              <a:t>Proposed </a:t>
-            </a:r>
-            <a:r>
-              <a:rPr lang="en-US" sz="4000" i="1" dirty="0" smtClean="0"/>
-              <a:t>process of model development using</a:t>
-            </a:r>
-            <a:r>
-              <a:rPr lang="en-US" sz="4000" i="1" dirty="0" smtClean="0"/>
-              <a:t> </a:t>
+              <a:t>Proposed process of model development using </a:t>
             </a:r>
             <a:r>
               <a:rPr lang="en-US" sz="4000" i="1" dirty="0" err="1" smtClean="0"/>
@@ -3253,11 +3004,7 @@
             </a:r>
             <a:r>
               <a:rPr lang="en-US" sz="4000" i="1" dirty="0" smtClean="0"/>
-              <a:t> components</a:t>
-            </a:r>
-            <a:r>
-              <a:rPr lang="en-US" sz="4000" i="1" dirty="0" smtClean="0"/>
-              <a:t>.</a:t>
+              <a:t> components.</a:t>
             </a:r>
             <a:endParaRPr lang="en-US" sz="4000" dirty="0" smtClean="0"/>
           </a:p>
@@ -3273,8 +3020,8 @@
         </p:nvSpPr>
         <p:spPr bwMode="auto">
           <a:xfrm>
-            <a:off x="15544800" y="26593800"/>
-            <a:ext cx="13411200" cy="29014391"/>
+            <a:off x="15621000" y="25984201"/>
+            <a:ext cx="13411200" cy="16087776"/>
           </a:xfrm>
           <a:prstGeom prst="rect">
             <a:avLst/>
@@ -3299,41 +3046,20 @@
               </a:buClr>
             </a:pPr>
             <a:r>
-              <a:rPr lang="en-US" sz="4000" dirty="0" smtClean="0"/>
-              <a:t>The </a:t>
-            </a:r>
-            <a:r>
-              <a:rPr lang="en-US" sz="4000" dirty="0" err="1" smtClean="0"/>
-              <a:t>openMDR</a:t>
-            </a:r>
-            <a:r>
-              <a:rPr lang="en-US" sz="4000" dirty="0" smtClean="0"/>
-              <a:t> </a:t>
-            </a:r>
-            <a:r>
-              <a:rPr lang="en-US" sz="4000" dirty="0" smtClean="0"/>
-              <a:t>project is composed of several different </a:t>
-            </a:r>
-            <a:r>
-              <a:rPr lang="en-US" sz="4000" dirty="0" smtClean="0"/>
-              <a:t>subprojects:</a:t>
-            </a:r>
-          </a:p>
-          <a:p>
-            <a:pPr marL="453090" indent="-453090" algn="just">
-              <a:buClr>
-                <a:srgbClr val="C00000"/>
-              </a:buClr>
-              <a:buFont typeface="Wingdings" charset="2"/>
-              <a:buChar char="§"/>
-            </a:pPr>
-            <a:r>
-              <a:rPr lang="en-US" sz="4000" dirty="0" smtClean="0"/>
-              <a:t>MDR Core - ISO11179 Database</a:t>
-            </a:r>
-          </a:p>
-          <a:p>
-            <a:pPr marL="4840610" lvl="2" indent="-453090" algn="just">
+              <a:rPr lang="en-US" sz="4000" b="1" dirty="0" smtClean="0"/>
+              <a:t>MDR </a:t>
+            </a:r>
+            <a:r>
+              <a:rPr lang="en-US" sz="4000" b="1" dirty="0" smtClean="0"/>
+              <a:t>Core - ISO11179 </a:t>
+            </a:r>
+            <a:r>
+              <a:rPr lang="en-US" sz="4000" b="1" dirty="0" smtClean="0"/>
+              <a:t>Database</a:t>
+            </a:r>
+          </a:p>
+          <a:p>
+            <a:pPr marL="3608388" lvl="2" indent="-452438" algn="just">
               <a:buClr>
                 <a:srgbClr val="C00000"/>
               </a:buClr>
@@ -3342,11 +3068,7 @@
             </a:pPr>
             <a:r>
               <a:rPr lang="en-US" sz="4000" dirty="0" smtClean="0"/>
-              <a:t>Utilizing</a:t>
-            </a:r>
-            <a:r>
-              <a:rPr lang="en-US" sz="4000" dirty="0" smtClean="0"/>
-              <a:t>/enhancing </a:t>
+              <a:t>Enhanced </a:t>
             </a:r>
             <a:r>
               <a:rPr lang="en-US" sz="4000" dirty="0" err="1" smtClean="0"/>
@@ -3354,11 +3076,16 @@
             </a:r>
             <a:r>
               <a:rPr lang="en-US" sz="4000" dirty="0" smtClean="0"/>
-              <a:t> iso11179 database.</a:t>
-            </a:r>
-          </a:p>
-          <a:p>
-            <a:pPr marL="4840610" lvl="2" indent="-453090" algn="just">
+              <a:t> iso11179 database</a:t>
+            </a:r>
+            <a:r>
+              <a:rPr lang="en-US" sz="4000" dirty="0" smtClean="0"/>
+              <a:t>.</a:t>
+            </a:r>
+            <a:endParaRPr lang="en-US" sz="4000" dirty="0" smtClean="0"/>
+          </a:p>
+          <a:p>
+            <a:pPr marL="3659188" lvl="2" indent="-452438" algn="just">
               <a:buClr>
                 <a:srgbClr val="C00000"/>
               </a:buClr>
@@ -3367,15 +3094,27 @@
             </a:pPr>
             <a:r>
               <a:rPr lang="en-US" sz="4000" dirty="0" smtClean="0"/>
-              <a:t>Build </a:t>
-            </a:r>
-            <a:r>
-              <a:rPr lang="en-US" sz="4000" dirty="0" smtClean="0"/>
-              <a:t>on the Exist XML database.</a:t>
-            </a:r>
-          </a:p>
-          <a:p>
-            <a:pPr marL="453090" indent="-453090" algn="just">
+              <a:t>Built </a:t>
+            </a:r>
+            <a:r>
+              <a:rPr lang="en-US" sz="4000" dirty="0" smtClean="0"/>
+              <a:t>on</a:t>
+            </a:r>
+            <a:r>
+              <a:rPr lang="en-US" sz="4000" dirty="0" smtClean="0"/>
+              <a:t> </a:t>
+            </a:r>
+            <a:r>
+              <a:rPr lang="en-US" sz="4000" i="1" dirty="0" smtClean="0"/>
+              <a:t>Exist </a:t>
+            </a:r>
+            <a:r>
+              <a:rPr lang="en-US" sz="4000" dirty="0" smtClean="0"/>
+              <a:t>XML database.</a:t>
+            </a:r>
+          </a:p>
+          <a:p>
+            <a:pPr marL="3659188" lvl="2" indent="-452438" algn="just">
               <a:buClr>
                 <a:srgbClr val="C00000"/>
               </a:buClr>
@@ -3388,7 +3127,7 @@
             </a:r>
           </a:p>
           <a:p>
-            <a:pPr marL="453090" indent="-453090" algn="just">
+            <a:pPr marL="3662363" lvl="1" indent="-452438" algn="just">
               <a:buClr>
                 <a:srgbClr val="C00000"/>
               </a:buClr>
@@ -3409,7 +3148,7 @@
             </a:r>
           </a:p>
           <a:p>
-            <a:pPr marL="453090" indent="-453090" algn="just">
+            <a:pPr marL="3652838" indent="-452438" algn="just">
               <a:buClr>
                 <a:srgbClr val="C00000"/>
               </a:buClr>
@@ -3426,33 +3165,38 @@
             </a:r>
             <a:r>
               <a:rPr lang="en-US" sz="4000" dirty="0" smtClean="0"/>
-              <a:t> semantic metadata.</a:t>
-            </a:r>
-            <a:endParaRPr lang="en-US" sz="4000" dirty="0" smtClean="0"/>
-          </a:p>
-          <a:p>
-            <a:pPr marL="4840610" lvl="2" indent="-453090" algn="just">
-              <a:buClr>
-                <a:srgbClr val="C00000"/>
-              </a:buClr>
-            </a:pPr>
-            <a:endParaRPr lang="en-US" sz="4000" dirty="0" smtClean="0"/>
+              <a:t> semantic metadata</a:t>
+            </a:r>
+            <a:r>
+              <a:rPr lang="en-US" sz="4000" dirty="0" smtClean="0"/>
+              <a:t>.</a:t>
+            </a:r>
           </a:p>
           <a:p>
             <a:pPr marL="453090" indent="-453090" algn="just">
               <a:buClr>
                 <a:srgbClr val="C00000"/>
               </a:buClr>
-              <a:buFont typeface="Wingdings" charset="2"/>
-              <a:buChar char="§"/>
-            </a:pPr>
-            <a:r>
-              <a:rPr lang="en-US" sz="4000" dirty="0" smtClean="0"/>
-              <a:t>MDR Query - An API and Grid Service for querying across many disparate semantic metadata repositories and using the information for data model annotation.</a:t>
-            </a:r>
-          </a:p>
-          <a:p>
-            <a:pPr marL="4840610" lvl="2" indent="-453090" algn="just">
+            </a:pPr>
+            <a:r>
+              <a:rPr lang="en-US" sz="4000" b="1" dirty="0" smtClean="0"/>
+              <a:t>MDR Query</a:t>
+            </a:r>
+            <a:r>
+              <a:rPr lang="en-US" sz="4000" dirty="0" smtClean="0"/>
+              <a:t> -</a:t>
+            </a:r>
+            <a:r>
+              <a:rPr lang="en-US" sz="4000" dirty="0" smtClean="0"/>
+              <a:t> API </a:t>
+            </a:r>
+            <a:r>
+              <a:rPr lang="en-US" sz="4000" dirty="0" smtClean="0"/>
+              <a:t>and Grid Service for querying across many disparate semantic metadata repositories and using the information for data model annotation.</a:t>
+            </a:r>
+          </a:p>
+          <a:p>
+            <a:pPr marL="3646488" lvl="2" indent="-452438" algn="just">
               <a:buClr>
                 <a:srgbClr val="C00000"/>
               </a:buClr>
@@ -3465,7 +3209,15 @@
             </a:r>
             <a:r>
               <a:rPr lang="en-US" sz="4000" dirty="0" smtClean="0"/>
-              <a:t> grid service capable of talking to </a:t>
+              <a:t> grid service</a:t>
+            </a:r>
+            <a:r>
+              <a:rPr lang="en-US" sz="4000" dirty="0" smtClean="0"/>
+              <a:t> - capable </a:t>
+            </a:r>
+            <a:r>
+              <a:rPr lang="en-US" sz="4000" dirty="0" smtClean="0"/>
+              <a:t>of talking to </a:t>
             </a:r>
             <a:r>
               <a:rPr lang="en-US" sz="4000" dirty="0" err="1" smtClean="0"/>
@@ -3489,11 +3241,32 @@
             </a:r>
             <a:r>
               <a:rPr lang="en-US" sz="4000" dirty="0" smtClean="0"/>
-              <a:t> systems enabling federated query of common data elements or concepts. </a:t>
-            </a:r>
-          </a:p>
-          <a:p>
-            <a:pPr marL="453090" indent="-453090" algn="just">
+              <a:t> systems enabling federated query of common data elements</a:t>
+            </a:r>
+            <a:r>
+              <a:rPr lang="en-US" sz="4000" dirty="0" smtClean="0"/>
+              <a:t> </a:t>
+            </a:r>
+            <a:r>
+              <a:rPr lang="en-US" sz="4000" dirty="0" smtClean="0"/>
+              <a:t>and</a:t>
+            </a:r>
+            <a:r>
+              <a:rPr lang="en-US" sz="4000" dirty="0" smtClean="0"/>
+              <a:t> </a:t>
+            </a:r>
+            <a:r>
+              <a:rPr lang="en-US" sz="4000" dirty="0" smtClean="0"/>
+              <a:t>concepts</a:t>
+            </a:r>
+            <a:r>
+              <a:rPr lang="en-US" sz="4000" dirty="0" smtClean="0"/>
+              <a:t>.</a:t>
+            </a:r>
+            <a:endParaRPr lang="en-US" sz="4000" dirty="0" smtClean="0"/>
+          </a:p>
+          <a:p>
+            <a:pPr marL="3646488" lvl="2" indent="-452438" algn="just">
               <a:buClr>
                 <a:srgbClr val="C00000"/>
               </a:buClr>
@@ -3502,7 +3275,11 @@
             </a:pPr>
             <a:r>
               <a:rPr lang="en-US" sz="4000" dirty="0" smtClean="0"/>
-              <a:t>Enhances and wraps the </a:t>
+              <a:t>Enhances </a:t>
+            </a:r>
+            <a:r>
+              <a:rPr lang="en-US" sz="4000" dirty="0" smtClean="0"/>
+              <a:t>and wraps the </a:t>
             </a:r>
             <a:r>
               <a:rPr lang="en-US" sz="4000" dirty="0" err="1" smtClean="0"/>
@@ -3518,11 +3295,15 @@
             </a:r>
             <a:r>
               <a:rPr lang="en-US" sz="4000" dirty="0" smtClean="0"/>
-              <a:t> in order to parse the received information into a common format.  </a:t>
-            </a:r>
-          </a:p>
-          <a:p>
-            <a:pPr marL="453090" indent="-453090" algn="just">
+              <a:t> in order to parse the received information into a common format</a:t>
+            </a:r>
+            <a:r>
+              <a:rPr lang="en-US" sz="4000" dirty="0" smtClean="0"/>
+              <a:t>.</a:t>
+            </a:r>
+          </a:p>
+          <a:p>
+            <a:pPr marL="3646488" lvl="2" indent="-452438" algn="just">
               <a:buClr>
                 <a:srgbClr val="C00000"/>
               </a:buClr>
@@ -3535,129 +3316,19 @@
             </a:r>
             <a:r>
               <a:rPr lang="en-US" sz="4000" dirty="0" smtClean="0"/>
-              <a:t> service enables it to be deployed in any local or production grid environment and configured and modified to talk to many semantic metadata systems.</a:t>
-            </a:r>
-          </a:p>
-          <a:p>
-            <a:pPr marL="4840610" lvl="2" indent="-453090" algn="just">
-              <a:buClr>
-                <a:srgbClr val="C00000"/>
-              </a:buClr>
-              <a:buFont typeface="Wingdings" charset="2"/>
-              <a:buChar char="§"/>
-            </a:pPr>
-            <a:endParaRPr lang="en-US" sz="4000" dirty="0" smtClean="0"/>
-          </a:p>
-          <a:p>
-            <a:pPr marL="4840610" lvl="2" indent="-453090" algn="just">
-              <a:buClr>
-                <a:srgbClr val="C00000"/>
-              </a:buClr>
-              <a:buFont typeface="Wingdings" charset="2"/>
-              <a:buChar char="§"/>
-            </a:pPr>
-            <a:endParaRPr lang="en-US" sz="4000" dirty="0" smtClean="0"/>
-          </a:p>
-          <a:p>
-            <a:pPr marL="4840610" lvl="2" indent="-453090" algn="just">
-              <a:buClr>
-                <a:srgbClr val="C00000"/>
-              </a:buClr>
-              <a:buFont typeface="Wingdings" charset="2"/>
-              <a:buChar char="§"/>
-            </a:pPr>
-            <a:endParaRPr lang="en-US" sz="4000" dirty="0" smtClean="0"/>
-          </a:p>
-          <a:p>
-            <a:pPr marL="4840610" lvl="2" indent="-453090" algn="just">
-              <a:buClr>
-                <a:srgbClr val="C00000"/>
-              </a:buClr>
-              <a:buFont typeface="Wingdings" charset="2"/>
-              <a:buChar char="§"/>
-            </a:pPr>
-            <a:endParaRPr lang="en-US" sz="4000" dirty="0" smtClean="0"/>
-          </a:p>
-          <a:p>
-            <a:pPr marL="4840610" lvl="2" indent="-453090" algn="just">
-              <a:buClr>
-                <a:srgbClr val="C00000"/>
-              </a:buClr>
-              <a:buFont typeface="Wingdings" charset="2"/>
-              <a:buChar char="§"/>
-            </a:pPr>
-            <a:endParaRPr lang="en-US" sz="4000" dirty="0" smtClean="0"/>
-          </a:p>
-          <a:p>
-            <a:pPr marL="4840610" lvl="2" indent="-453090" algn="just">
-              <a:buClr>
-                <a:srgbClr val="C00000"/>
-              </a:buClr>
-              <a:buFont typeface="Wingdings" charset="2"/>
-              <a:buChar char="§"/>
-            </a:pPr>
-            <a:endParaRPr lang="en-US" sz="4000" dirty="0" smtClean="0"/>
-          </a:p>
-          <a:p>
-            <a:pPr marL="4840610" lvl="2" indent="-453090" algn="just">
-              <a:buClr>
-                <a:srgbClr val="C00000"/>
-              </a:buClr>
-              <a:buFont typeface="Wingdings" charset="2"/>
-              <a:buChar char="§"/>
-            </a:pPr>
-            <a:endParaRPr lang="en-US" sz="4000" dirty="0" smtClean="0"/>
-          </a:p>
-          <a:p>
-            <a:pPr marL="4840610" lvl="2" indent="-453090" algn="just">
-              <a:buClr>
-                <a:srgbClr val="C00000"/>
-              </a:buClr>
-              <a:buFont typeface="Wingdings" charset="2"/>
-              <a:buChar char="§"/>
-            </a:pPr>
-            <a:endParaRPr lang="en-US" sz="4000" dirty="0" smtClean="0"/>
-          </a:p>
-          <a:p>
-            <a:pPr marL="4840610" lvl="2" indent="-453090" algn="just">
-              <a:buClr>
-                <a:srgbClr val="C00000"/>
-              </a:buClr>
-              <a:buFont typeface="Wingdings" charset="2"/>
-              <a:buChar char="§"/>
-            </a:pPr>
-            <a:r>
-              <a:rPr lang="en-US" sz="4000" dirty="0" smtClean="0"/>
-              <a:t>MDR </a:t>
-            </a:r>
-            <a:r>
-              <a:rPr lang="en-US" sz="4000" dirty="0" err="1" smtClean="0"/>
-              <a:t>Plugins</a:t>
-            </a:r>
-            <a:r>
-              <a:rPr lang="en-US" sz="4000" dirty="0" smtClean="0"/>
-              <a:t> - A series of tools that can be used in different commercial modeling tools, such as Enterprise Architect, to enable the semantic annotation of federated semantics.</a:t>
-            </a:r>
-          </a:p>
-          <a:p>
-            <a:pPr marL="4840610" lvl="2" indent="-453090" algn="just">
-              <a:buClr>
-                <a:srgbClr val="C00000"/>
-              </a:buClr>
-              <a:buFont typeface="Wingdings" charset="2"/>
-              <a:buChar char="§"/>
-            </a:pPr>
-            <a:r>
-              <a:rPr lang="en-US" sz="4000" dirty="0" smtClean="0"/>
-              <a:t>MDR Domain Model Generator - A tool that can process an MDR </a:t>
-            </a:r>
-            <a:r>
-              <a:rPr lang="en-US" sz="4000" dirty="0" err="1" smtClean="0"/>
-              <a:t>Plugin</a:t>
-            </a:r>
-            <a:r>
-              <a:rPr lang="en-US" sz="4000" dirty="0" smtClean="0"/>
-              <a:t> annotated model and create service metadata which will enable the service to be an semantically annotated grid service which can be more easily discovered</a:t>
+              <a:t> </a:t>
+            </a:r>
+            <a:r>
+              <a:rPr lang="en-US" sz="4000" dirty="0" smtClean="0"/>
+              <a:t>service enables it to be deployed in any local or production grid environment and</a:t>
+            </a:r>
+            <a:r>
+              <a:rPr lang="en-US" sz="4000" dirty="0" smtClean="0"/>
+              <a:t> can be configured </a:t>
+            </a:r>
+            <a:r>
+              <a:rPr lang="en-US" sz="4000" dirty="0" smtClean="0"/>
+              <a:t>and modified to talk to many semantic metadata systems.</a:t>
             </a:r>
           </a:p>
         </p:txBody>
@@ -3678,7 +3349,7 @@
         </p:blipFill>
         <p:spPr>
           <a:xfrm>
-            <a:off x="16383000" y="16611600"/>
+            <a:off x="16306800" y="16154400"/>
             <a:ext cx="12783277" cy="6934200"/>
           </a:xfrm>
           <a:prstGeom prst="rect">
@@ -3710,102 +3381,6 @@
           </a:prstGeom>
         </p:spPr>
       </p:pic>
-      <p:pic>
-        <p:nvPicPr>
-          <p:cNvPr id="56" name="Picture 55"/>
-          <p:cNvPicPr>
-            <a:picLocks noChangeAspect="1"/>
-          </p:cNvPicPr>
-          <p:nvPr/>
-        </p:nvPicPr>
-        <p:blipFill>
-          <a:blip r:embed="rId7"/>
-          <a:stretch>
-            <a:fillRect/>
-          </a:stretch>
-        </p:blipFill>
-        <p:spPr>
-          <a:xfrm>
-            <a:off x="16002000" y="28346400"/>
-            <a:ext cx="2532849" cy="2057400"/>
-          </a:xfrm>
-          <a:prstGeom prst="rect">
-            <a:avLst/>
-          </a:prstGeom>
-        </p:spPr>
-      </p:pic>
-      <p:pic>
-        <p:nvPicPr>
-          <p:cNvPr id="57" name="Picture 56"/>
-          <p:cNvPicPr>
-            <a:picLocks noChangeAspect="1"/>
-          </p:cNvPicPr>
-          <p:nvPr/>
-        </p:nvPicPr>
-        <p:blipFill>
-          <a:blip r:embed="rId8"/>
-          <a:stretch>
-            <a:fillRect/>
-          </a:stretch>
-        </p:blipFill>
-        <p:spPr>
-          <a:xfrm>
-            <a:off x="16002000" y="36576000"/>
-            <a:ext cx="2286000" cy="2541012"/>
-          </a:xfrm>
-          <a:prstGeom prst="rect">
-            <a:avLst/>
-          </a:prstGeom>
-        </p:spPr>
-      </p:pic>
-      <p:pic>
-        <p:nvPicPr>
-          <p:cNvPr id="58" name="Picture 57"/>
-          <p:cNvPicPr>
-            <a:picLocks noChangeAspect="1"/>
-          </p:cNvPicPr>
-          <p:nvPr/>
-        </p:nvPicPr>
-        <p:blipFill>
-          <a:blip r:embed="rId9"/>
-          <a:stretch>
-            <a:fillRect/>
-          </a:stretch>
-        </p:blipFill>
-        <p:spPr>
-          <a:xfrm>
-            <a:off x="30099000" y="9144000"/>
-            <a:ext cx="2133600" cy="2371611"/>
-          </a:xfrm>
-          <a:prstGeom prst="rect">
-            <a:avLst/>
-          </a:prstGeom>
-        </p:spPr>
-      </p:pic>
-      <p:pic>
-        <p:nvPicPr>
-          <p:cNvPr id="60" name="Picture 59"/>
-          <p:cNvPicPr>
-            <a:picLocks noChangeAspect="1"/>
-          </p:cNvPicPr>
-          <p:nvPr/>
-        </p:nvPicPr>
-        <p:blipFill>
-          <a:blip r:embed="rId10"/>
-          <a:stretch>
-            <a:fillRect/>
-          </a:stretch>
-        </p:blipFill>
-        <p:spPr>
-          <a:xfrm>
-            <a:off x="29794200" y="25069800"/>
-            <a:ext cx="11201400" cy="12987830"/>
-          </a:xfrm>
-          <a:prstGeom prst="rect">
-            <a:avLst/>
-          </a:prstGeom>
-        </p:spPr>
-      </p:pic>
       <p:sp>
         <p:nvSpPr>
           <p:cNvPr id="62" name="TextBox 9"/>
@@ -3816,8 +3391,8 @@
         </p:nvSpPr>
         <p:spPr bwMode="auto">
           <a:xfrm>
-            <a:off x="29946600" y="6324601"/>
-            <a:ext cx="13030200" cy="18549988"/>
+            <a:off x="30175200" y="6324601"/>
+            <a:ext cx="12801600" cy="16703329"/>
           </a:xfrm>
           <a:prstGeom prst="rect">
             <a:avLst/>
@@ -3840,24 +3415,59 @@
               <a:buClr>
                 <a:srgbClr val="C00000"/>
               </a:buClr>
-              <a:buFont typeface="Wingdings" charset="2"/>
-              <a:buChar char="§"/>
-            </a:pPr>
-            <a:r>
-              <a:rPr lang="en-US" sz="4000" dirty="0" smtClean="0"/>
+            </a:pPr>
+            <a:r>
+              <a:rPr lang="en-US" sz="4000" b="1" dirty="0" smtClean="0"/>
               <a:t>MDR </a:t>
             </a:r>
             <a:r>
-              <a:rPr lang="en-US" sz="4000" dirty="0" err="1" smtClean="0"/>
-              <a:t>Plugins</a:t>
-            </a:r>
-            <a:r>
-              <a:rPr lang="en-US" sz="4000" dirty="0" smtClean="0"/>
-              <a:t> - A series of tools that can be used in different commercial modeling tools, such as Enterprise Architect, to enable the semantic annotation of federated semantics.</a:t>
-            </a:r>
-          </a:p>
-          <a:p>
-            <a:pPr marL="2646850" lvl="1" indent="-453090" algn="just">
+              <a:rPr lang="en-US" sz="4000" b="1" dirty="0" err="1" smtClean="0"/>
+              <a:t>Plugin</a:t>
+            </a:r>
+            <a:r>
+              <a:rPr lang="en-US" sz="4000" b="1" dirty="0" smtClean="0"/>
+              <a:t> </a:t>
+            </a:r>
+            <a:r>
+              <a:rPr lang="en-US" sz="4000" dirty="0" smtClean="0"/>
+              <a:t>- A</a:t>
+            </a:r>
+            <a:r>
+              <a:rPr lang="en-US" sz="4000" dirty="0" smtClean="0"/>
+              <a:t> set of </a:t>
+            </a:r>
+            <a:r>
+              <a:rPr lang="en-US" sz="4000" dirty="0" smtClean="0"/>
+              <a:t>tools that can be used in</a:t>
+            </a:r>
+            <a:r>
+              <a:rPr lang="en-US" sz="4000" dirty="0" smtClean="0"/>
+              <a:t> commercial </a:t>
+            </a:r>
+            <a:r>
+              <a:rPr lang="en-US" sz="4000" dirty="0" smtClean="0"/>
+              <a:t>modeling </a:t>
+            </a:r>
+            <a:r>
+              <a:rPr lang="en-US" sz="4000" dirty="0" smtClean="0"/>
+              <a:t>tool such </a:t>
+            </a:r>
+            <a:r>
+              <a:rPr lang="en-US" sz="4000" dirty="0" smtClean="0"/>
+              <a:t>as </a:t>
+            </a:r>
+            <a:r>
+              <a:rPr lang="en-US" sz="4000" i="1" dirty="0" smtClean="0"/>
+              <a:t>Enterprise Architect</a:t>
+            </a:r>
+            <a:r>
+              <a:rPr lang="en-US" sz="4000" dirty="0" smtClean="0"/>
+              <a:t>, to enable the semantic annotation of federated semantics.</a:t>
+            </a:r>
+            <a:endParaRPr lang="en-US" sz="4000" dirty="0" smtClean="0"/>
+          </a:p>
+          <a:p>
+            <a:pPr marL="3646488" lvl="2" indent="-452438" algn="just">
               <a:buClr>
                 <a:srgbClr val="C00000"/>
               </a:buClr>
@@ -3866,7 +3476,7 @@
             </a:pPr>
             <a:r>
               <a:rPr lang="en-US" sz="4000" dirty="0" smtClean="0"/>
-              <a:t>Enables utilizing the </a:t>
+              <a:t>Utilizes the </a:t>
             </a:r>
             <a:r>
               <a:rPr lang="en-US" sz="4000" dirty="0" err="1" smtClean="0"/>
@@ -3874,11 +3484,39 @@
             </a:r>
             <a:r>
               <a:rPr lang="en-US" sz="4000" dirty="0" smtClean="0"/>
-              <a:t> service for locating and utilizing common data elements from many semantic metadata sources for annotation of classes and attributes of the logical model.</a:t>
-            </a:r>
-          </a:p>
-          <a:p>
-            <a:pPr marL="453090" indent="-453090" algn="just">
+              <a:t> service for locating and utilizing</a:t>
+            </a:r>
+            <a:r>
+              <a:rPr lang="en-US" sz="4000" dirty="0" smtClean="0"/>
+              <a:t> common </a:t>
+            </a:r>
+            <a:r>
+              <a:rPr lang="en-US" sz="4000" dirty="0" smtClean="0"/>
+              <a:t>data </a:t>
+            </a:r>
+            <a:r>
+              <a:rPr lang="en-US" sz="4000" dirty="0" smtClean="0"/>
+              <a:t>elements (</a:t>
+            </a:r>
+            <a:r>
+              <a:rPr lang="en-US" sz="4000" dirty="0" err="1" smtClean="0"/>
+              <a:t>CDE’s</a:t>
+            </a:r>
+            <a:r>
+              <a:rPr lang="en-US" sz="4000" dirty="0" smtClean="0"/>
+              <a:t>) </a:t>
+            </a:r>
+            <a:r>
+              <a:rPr lang="en-US" sz="4000" dirty="0" smtClean="0"/>
+              <a:t>from many semantic metadata sources for annotation of classes and attributes of the logical model</a:t>
+            </a:r>
+            <a:r>
+              <a:rPr lang="en-US" sz="4000" dirty="0" smtClean="0"/>
+              <a:t>.</a:t>
+            </a:r>
+          </a:p>
+          <a:p>
+            <a:pPr marL="3646488" lvl="2" indent="-452438" algn="just">
               <a:buClr>
                 <a:srgbClr val="C00000"/>
               </a:buClr>
@@ -3887,11 +3525,23 @@
             </a:pPr>
             <a:r>
               <a:rPr lang="en-US" sz="4000" dirty="0" smtClean="0"/>
-              <a:t>Tags are created that identify the service and CDE locally unique id to enable more information to be retrieved by a consumer of the model if desired.</a:t>
-            </a:r>
-          </a:p>
-          <a:p>
-            <a:pPr marL="453090" indent="-453090" algn="just">
+              <a:t>Tags are created that identify the service and </a:t>
+            </a:r>
+            <a:r>
+              <a:rPr lang="en-US" sz="4000" dirty="0" smtClean="0"/>
+              <a:t>CDE via local </a:t>
+            </a:r>
+            <a:r>
+              <a:rPr lang="en-US" sz="4000" dirty="0" smtClean="0"/>
+              <a:t>unique id to enable more information to be retrieved by a consumer of the model if </a:t>
+            </a:r>
+            <a:r>
+              <a:rPr lang="en-US" sz="4000" dirty="0" smtClean="0"/>
+              <a:t>desired.</a:t>
+            </a:r>
+          </a:p>
+          <a:p>
+            <a:pPr marL="3646488" lvl="2" indent="-452438" algn="just">
               <a:buClr>
                 <a:srgbClr val="C00000"/>
               </a:buClr>
@@ -3900,35 +3550,30 @@
             </a:pPr>
             <a:r>
               <a:rPr lang="en-US" sz="4000" dirty="0" smtClean="0"/>
-              <a:t>The model is annotated just as it could be with the SIW except there is no need to leave the EA environment</a:t>
+              <a:t>No </a:t>
+            </a:r>
+            <a:r>
+              <a:rPr lang="en-US" sz="4000" dirty="0" smtClean="0"/>
+              <a:t>need to leave the EA environment</a:t>
             </a:r>
             <a:r>
               <a:rPr lang="en-US" sz="4000" dirty="0" smtClean="0"/>
               <a:t>.</a:t>
             </a:r>
-            <a:endParaRPr lang="en-US" sz="4000" dirty="0" smtClean="0"/>
           </a:p>
           <a:p>
             <a:pPr marL="453090" indent="-453090" algn="just">
               <a:buClr>
                 <a:srgbClr val="C00000"/>
               </a:buClr>
-              <a:buFont typeface="Wingdings" charset="2"/>
-              <a:buChar char="§"/>
-            </a:pPr>
-            <a:endParaRPr lang="en-US" sz="4000" dirty="0" smtClean="0"/>
-          </a:p>
-          <a:p>
-            <a:pPr marL="453090" indent="-453090" algn="just">
-              <a:buClr>
-                <a:srgbClr val="C00000"/>
-              </a:buClr>
-              <a:buFont typeface="Wingdings" charset="2"/>
-              <a:buChar char="§"/>
-            </a:pPr>
-            <a:r>
-              <a:rPr lang="en-US" sz="4000" dirty="0" smtClean="0"/>
-              <a:t>MDR Domain Model Generator - A tool that can process an MDR </a:t>
+            </a:pPr>
+            <a:r>
+              <a:rPr lang="en-US" sz="4000" b="1" dirty="0" smtClean="0"/>
+              <a:t>MDR Domain Model Generator </a:t>
+            </a:r>
+            <a:r>
+              <a:rPr lang="en-US" sz="4000" dirty="0" smtClean="0"/>
+              <a:t>- A tool that can process an MDR </a:t>
             </a:r>
             <a:r>
               <a:rPr lang="en-US" sz="4000" dirty="0" err="1" smtClean="0"/>
@@ -3936,11 +3581,28 @@
             </a:r>
             <a:r>
               <a:rPr lang="en-US" sz="4000" dirty="0" smtClean="0"/>
-              <a:t> annotated model and create service metadata which will enable the service to be an semantically annotated grid service which can be more easily discovered</a:t>
-            </a:r>
-          </a:p>
-          <a:p>
-            <a:pPr marL="2646850" lvl="1" indent="-453090" algn="just">
+              <a:t> annotated model and create service metadata which will enable the service to be </a:t>
+            </a:r>
+            <a:r>
+              <a:rPr lang="en-US" sz="4000" dirty="0" smtClean="0"/>
+              <a:t>a </a:t>
+            </a:r>
+            <a:r>
+              <a:rPr lang="en-US" sz="4000" dirty="0" smtClean="0"/>
+              <a:t>semantically annotated grid service which can be</a:t>
+            </a:r>
+            <a:r>
+              <a:rPr lang="en-US" sz="4000" dirty="0" smtClean="0"/>
+              <a:t> easily </a:t>
+            </a:r>
+            <a:r>
+              <a:rPr lang="en-US" sz="4000" dirty="0" smtClean="0"/>
+              <a:t>discovered</a:t>
+            </a:r>
+            <a:endParaRPr lang="en-US" sz="4000" dirty="0" smtClean="0"/>
+          </a:p>
+          <a:p>
+            <a:pPr marL="3646488" lvl="1" indent="-452438" algn="just">
               <a:buClr>
                 <a:srgbClr val="C00000"/>
               </a:buClr>
@@ -3949,15 +3611,19 @@
             </a:pPr>
             <a:r>
               <a:rPr lang="en-US" sz="4000" dirty="0" smtClean="0"/>
-              <a:t>This tool can take models annotated with the </a:t>
-            </a:r>
-            <a:r>
-              <a:rPr lang="en-US" sz="4000" dirty="0" err="1" smtClean="0"/>
-              <a:t>openMDR</a:t>
-            </a:r>
-            <a:r>
-              <a:rPr lang="en-US" sz="4000" dirty="0" smtClean="0"/>
-              <a:t> annotation plug-in for EA and generate the required semantic service metadata.  This metadata can then be used to generate a data service using the Introduce Data Service Wizard which prior to this tool would only be able to utilize the </a:t>
+              <a:t>The </a:t>
+            </a:r>
+            <a:r>
+              <a:rPr lang="en-US" sz="4000" dirty="0" smtClean="0"/>
+              <a:t>metadata can</a:t>
+            </a:r>
+            <a:r>
+              <a:rPr lang="en-US" sz="4000" dirty="0" smtClean="0"/>
+              <a:t> be </a:t>
+            </a:r>
+            <a:r>
+              <a:rPr lang="en-US" sz="4000" dirty="0" smtClean="0"/>
+              <a:t>used to generate a data service using the Introduce Data Service Wizard which prior to this tool would only be able to utilize the </a:t>
             </a:r>
             <a:r>
               <a:rPr lang="en-US" sz="4000" dirty="0" err="1" smtClean="0"/>
@@ -3965,39 +3631,15 @@
             </a:r>
             <a:r>
               <a:rPr lang="en-US" sz="4000" dirty="0" smtClean="0"/>
-              <a:t> can now generate data services annotated with data models from almost anywhere</a:t>
-            </a:r>
-            <a:r>
-              <a:rPr lang="en-US" sz="4000" dirty="0" smtClean="0"/>
-              <a:t>.</a:t>
+              <a:t>, </a:t>
+            </a:r>
+            <a:r>
+              <a:rPr lang="en-US" sz="4000" dirty="0" smtClean="0"/>
+              <a:t>can now generate data services annotated with data models from almost anywhere.</a:t>
             </a:r>
           </a:p>
         </p:txBody>
       </p:sp>
-      <p:pic>
-        <p:nvPicPr>
-          <p:cNvPr id="63" name="Picture 62"/>
-          <p:cNvPicPr>
-            <a:picLocks noChangeAspect="1"/>
-          </p:cNvPicPr>
-          <p:nvPr/>
-        </p:nvPicPr>
-        <p:blipFill>
-          <a:blip r:embed="rId11"/>
-          <a:stretch>
-            <a:fillRect/>
-          </a:stretch>
-        </p:blipFill>
-        <p:spPr>
-          <a:xfrm>
-            <a:off x="29946600" y="19050000"/>
-            <a:ext cx="2403182" cy="1952073"/>
-          </a:xfrm>
-          <a:prstGeom prst="rect">
-            <a:avLst/>
-          </a:prstGeom>
-        </p:spPr>
-      </p:pic>
       <p:sp>
         <p:nvSpPr>
           <p:cNvPr id="64" name="TextBox 9"/>
@@ -4008,7 +3650,7 @@
         </p:nvSpPr>
         <p:spPr bwMode="auto">
           <a:xfrm>
-            <a:off x="29489400" y="37871400"/>
+            <a:off x="29565600" y="41071800"/>
             <a:ext cx="13454743" cy="1314501"/>
           </a:xfrm>
           <a:prstGeom prst="rect">
@@ -4039,15 +3681,7 @@
             </a:r>
             <a:r>
               <a:rPr lang="en-US" sz="4000" i="1" dirty="0" smtClean="0"/>
-              <a:t>process </a:t>
-            </a:r>
-            <a:r>
-              <a:rPr lang="en-US" sz="4000" i="1" dirty="0" smtClean="0"/>
-              <a:t>of model development </a:t>
-            </a:r>
-            <a:r>
-              <a:rPr lang="en-US" sz="4000" i="1" dirty="0" smtClean="0"/>
-              <a:t>using NCI’s and </a:t>
+              <a:t>process of model development using NCI’s and </a:t>
             </a:r>
             <a:r>
               <a:rPr lang="en-US" sz="4000" i="1" dirty="0" err="1" smtClean="0"/>
@@ -4055,16 +3689,132 @@
             </a:r>
             <a:r>
               <a:rPr lang="en-US" sz="4000" i="1" dirty="0" smtClean="0"/>
-              <a:t> components</a:t>
-            </a:r>
-            <a:r>
-              <a:rPr lang="en-US" sz="4000" i="1" dirty="0" smtClean="0"/>
-              <a:t>.</a:t>
+              <a:t> components.</a:t>
             </a:r>
             <a:endParaRPr lang="en-US" sz="4000" dirty="0" smtClean="0"/>
           </a:p>
         </p:txBody>
       </p:sp>
+      <p:pic>
+        <p:nvPicPr>
+          <p:cNvPr id="29" name="Picture 28"/>
+          <p:cNvPicPr>
+            <a:picLocks noChangeAspect="1"/>
+          </p:cNvPicPr>
+          <p:nvPr/>
+        </p:nvPicPr>
+        <p:blipFill>
+          <a:blip r:embed="rId7"/>
+          <a:stretch>
+            <a:fillRect/>
+          </a:stretch>
+        </p:blipFill>
+        <p:spPr>
+          <a:xfrm>
+            <a:off x="32613600" y="23393400"/>
+            <a:ext cx="8382000" cy="17485204"/>
+          </a:xfrm>
+          <a:prstGeom prst="rect">
+            <a:avLst/>
+          </a:prstGeom>
+        </p:spPr>
+      </p:pic>
+      <p:pic>
+        <p:nvPicPr>
+          <p:cNvPr id="30" name="Picture 29"/>
+          <p:cNvPicPr>
+            <a:picLocks noChangeAspect="1"/>
+          </p:cNvPicPr>
+          <p:nvPr/>
+        </p:nvPicPr>
+        <p:blipFill>
+          <a:blip r:embed="rId8"/>
+          <a:stretch>
+            <a:fillRect/>
+          </a:stretch>
+        </p:blipFill>
+        <p:spPr>
+          <a:xfrm>
+            <a:off x="15544800" y="28346400"/>
+            <a:ext cx="3291840" cy="2743200"/>
+          </a:xfrm>
+          <a:prstGeom prst="rect">
+            <a:avLst/>
+          </a:prstGeom>
+        </p:spPr>
+      </p:pic>
+      <p:pic>
+        <p:nvPicPr>
+          <p:cNvPr id="31" name="Picture 30"/>
+          <p:cNvPicPr>
+            <a:picLocks noChangeAspect="1"/>
+          </p:cNvPicPr>
+          <p:nvPr/>
+        </p:nvPicPr>
+        <p:blipFill>
+          <a:blip r:embed="rId9"/>
+          <a:stretch>
+            <a:fillRect/>
+          </a:stretch>
+        </p:blipFill>
+        <p:spPr>
+          <a:xfrm>
+            <a:off x="15544800" y="36042600"/>
+            <a:ext cx="3349297" cy="3813048"/>
+          </a:xfrm>
+          <a:prstGeom prst="rect">
+            <a:avLst/>
+          </a:prstGeom>
+        </p:spPr>
+      </p:pic>
+      <p:pic>
+        <p:nvPicPr>
+          <p:cNvPr id="32" name="Picture 31"/>
+          <p:cNvPicPr>
+            <a:picLocks noChangeAspect="1"/>
+          </p:cNvPicPr>
+          <p:nvPr/>
+        </p:nvPicPr>
+        <p:blipFill>
+          <a:blip r:embed="rId10"/>
+          <a:stretch>
+            <a:fillRect/>
+          </a:stretch>
+        </p:blipFill>
+        <p:spPr>
+          <a:xfrm>
+            <a:off x="30251400" y="10744200"/>
+            <a:ext cx="3334279" cy="3813048"/>
+          </a:xfrm>
+          <a:prstGeom prst="rect">
+            <a:avLst/>
+          </a:prstGeom>
+        </p:spPr>
+      </p:pic>
+      <p:pic>
+        <p:nvPicPr>
+          <p:cNvPr id="33" name="Picture 32"/>
+          <p:cNvPicPr>
+            <a:picLocks noChangeAspect="1"/>
+          </p:cNvPicPr>
+          <p:nvPr/>
+        </p:nvPicPr>
+        <p:blipFill>
+          <a:blip r:embed="rId11"/>
+          <a:stretch>
+            <a:fillRect/>
+          </a:stretch>
+        </p:blipFill>
+        <p:spPr>
+          <a:xfrm>
+            <a:off x="29718000" y="19278600"/>
+            <a:ext cx="3886200" cy="3238500"/>
+          </a:xfrm>
+          <a:prstGeom prst="rect">
+            <a:avLst/>
+          </a:prstGeom>
+        </p:spPr>
+      </p:pic>
     </p:spTree>
   </p:cSld>
   <p:clrMapOvr>

--- a/grid-incubation/incubator/projects/mdr/docs/presentations/openMDR_caBIGAnnualMeeting2009.pptx
+++ b/grid-incubation/incubator/projects/mdr/docs/presentations/openMDR_caBIGAnnualMeeting2009.pptx
@@ -2452,21 +2452,8 @@
             </a:r>
             <a:r>
               <a:rPr lang="en-US" sz="4000" dirty="0" smtClean="0"/>
-              <a:t> and SIW</a:t>
-            </a:r>
-            <a:r>
-              <a:rPr lang="en-US" sz="4000" dirty="0" smtClean="0"/>
-              <a:t> tools in </a:t>
-            </a:r>
-            <a:r>
-              <a:rPr lang="en-US" sz="4000" dirty="0" smtClean="0"/>
-              <a:t>order to create semantically annotated grid </a:t>
-            </a:r>
-            <a:r>
-              <a:rPr lang="en-US" sz="4000" dirty="0" smtClean="0"/>
-              <a:t>services.</a:t>
-            </a:r>
-            <a:endParaRPr lang="en-US" sz="4000" dirty="0" smtClean="0"/>
+              <a:t> and SIW tools in order to create semantically annotated grid services.</a:t>
+            </a:r>
           </a:p>
         </p:txBody>
       </p:sp>
@@ -2509,11 +2496,7 @@
             </a:pPr>
             <a:r>
               <a:rPr lang="en-US" sz="4000" dirty="0" smtClean="0"/>
-              <a:t>Makes </a:t>
-            </a:r>
-            <a:r>
-              <a:rPr lang="en-US" sz="4000" dirty="0" smtClean="0"/>
-              <a:t>use of the federated semantic metadata management platform provided by the UK </a:t>
+              <a:t>Makes use of the federated semantic metadata management platform provided by the UK </a:t>
             </a:r>
             <a:r>
               <a:rPr lang="en-US" sz="4000" dirty="0" err="1" smtClean="0"/>
@@ -2531,7 +2514,6 @@
               <a:rPr lang="en-US" sz="4000" dirty="0" smtClean="0"/>
               <a:t> project, which provides a lightweight ISO 11179 standards compliant metadata repository. </a:t>
             </a:r>
-            <a:endParaRPr lang="en-US" sz="4000" dirty="0" smtClean="0"/>
           </a:p>
           <a:p>
             <a:pPr marL="453090" indent="-453090" algn="just">
@@ -2543,11 +2525,7 @@
             </a:pPr>
             <a:r>
               <a:rPr lang="en-US" sz="4000" dirty="0" smtClean="0"/>
-              <a:t>Makes use </a:t>
-            </a:r>
-            <a:r>
-              <a:rPr lang="en-US" sz="4000" dirty="0" smtClean="0"/>
-              <a:t>of tools that enable semantic annotation from its own metadata repository, and can also resolve metadata and terminologies from remote resources </a:t>
+              <a:t>Makes use of tools that enable semantic annotation from its own metadata repository, and can also resolve metadata and terminologies from remote resources </a:t>
             </a:r>
           </a:p>
           <a:p>
@@ -2560,11 +2538,7 @@
             </a:pPr>
             <a:r>
               <a:rPr lang="en-US" sz="4000" dirty="0" smtClean="0"/>
-              <a:t>Provides </a:t>
-            </a:r>
-            <a:r>
-              <a:rPr lang="en-US" sz="4000" dirty="0" smtClean="0"/>
-              <a:t>choice to groups for managing semantic metadata and also give them the ability to create </a:t>
+              <a:t>Provides choice to groups for managing semantic metadata and also give them the ability to create </a:t>
             </a:r>
             <a:r>
               <a:rPr lang="en-US" sz="4000" dirty="0" err="1" smtClean="0"/>
@@ -2585,27 +2559,7 @@
             </a:pPr>
             <a:r>
               <a:rPr lang="en-US" sz="4000" dirty="0" smtClean="0"/>
-              <a:t>Provides for user groups that</a:t>
-            </a:r>
-            <a:r>
-              <a:rPr lang="en-US" sz="4000" dirty="0" smtClean="0"/>
-              <a:t> want to create a non authoritative metadata resource during </a:t>
-            </a:r>
-            <a:r>
-              <a:rPr lang="en-US" sz="4000" dirty="0" smtClean="0"/>
-              <a:t>development and do not </a:t>
-            </a:r>
-            <a:r>
-              <a:rPr lang="en-US" sz="4000" dirty="0" smtClean="0"/>
-              <a:t>want</a:t>
-            </a:r>
-            <a:r>
-              <a:rPr lang="en-US" sz="4000" dirty="0" smtClean="0"/>
-              <a:t> to </a:t>
-            </a:r>
-            <a:r>
-              <a:rPr lang="en-US" sz="4000" dirty="0" smtClean="0"/>
-              <a:t>use the NCI </a:t>
+              <a:t>Provides for user groups that want to create a non authoritative metadata resource during development and do not want to use the NCI </a:t>
             </a:r>
             <a:r>
               <a:rPr lang="en-US" sz="4000" dirty="0" err="1" smtClean="0"/>
@@ -2615,7 +2569,6 @@
               <a:rPr lang="en-US" sz="4000" dirty="0" smtClean="0"/>
               <a:t>.</a:t>
             </a:r>
-            <a:endParaRPr lang="en-US" sz="4000" dirty="0" smtClean="0"/>
           </a:p>
         </p:txBody>
       </p:sp>
@@ -2697,21 +2650,7 @@
                 <a:ea typeface="ＭＳ Ｐゴシック" pitchFamily="-109" charset="-128"/>
                 <a:cs typeface="ＭＳ Ｐゴシック" pitchFamily="-109" charset="-128"/>
               </a:rPr>
-              <a:t> not </a:t>
-            </a:r>
-            <a:r>
-              <a:rPr lang="en-US" sz="4000" kern="0" dirty="0" smtClean="0">
-                <a:ea typeface="ＭＳ Ｐゴシック" pitchFamily="-109" charset="-128"/>
-                <a:cs typeface="ＭＳ Ｐゴシック" pitchFamily="-109" charset="-128"/>
-              </a:rPr>
-              <a:t>intended to</a:t>
-            </a:r>
-            <a:r>
-              <a:rPr lang="en-US" sz="4000" kern="0" dirty="0" smtClean="0">
-                <a:ea typeface="ＭＳ Ｐゴシック" pitchFamily="-109" charset="-128"/>
-                <a:cs typeface="ＭＳ Ｐゴシック" pitchFamily="-109" charset="-128"/>
-              </a:rPr>
-              <a:t> be setup locally.</a:t>
+              <a:t> not intended to be setup locally.</a:t>
             </a:r>
           </a:p>
           <a:p>
@@ -2768,42 +2707,7 @@
                 <a:ea typeface="ＭＳ Ｐゴシック" pitchFamily="-109" charset="-128"/>
                 <a:cs typeface="ＭＳ Ｐゴシック" pitchFamily="-109" charset="-128"/>
               </a:rPr>
-              <a:t>Semantic Integration Workbench</a:t>
-            </a:r>
-            <a:r>
-              <a:rPr lang="en-US" sz="4000" kern="0" dirty="0" smtClean="0">
-                <a:ea typeface="ＭＳ Ｐゴシック" pitchFamily="-109" charset="-128"/>
-                <a:cs typeface="ＭＳ Ｐゴシック" pitchFamily="-109" charset="-128"/>
-              </a:rPr>
-              <a:t> (SIW) </a:t>
-            </a:r>
-            <a:r>
-              <a:rPr lang="en-US" sz="4000" kern="0" dirty="0" smtClean="0">
-                <a:ea typeface="ＭＳ Ｐゴシック" pitchFamily="-109" charset="-128"/>
-                <a:cs typeface="ＭＳ Ｐゴシック" pitchFamily="-109" charset="-128"/>
-              </a:rPr>
-              <a:t>cannot </a:t>
-            </a:r>
-            <a:r>
-              <a:rPr lang="en-US" sz="4000" kern="0" dirty="0" smtClean="0">
-                <a:ea typeface="ＭＳ Ｐゴシック" pitchFamily="-109" charset="-128"/>
-                <a:cs typeface="ＭＳ Ｐゴシック" pitchFamily="-109" charset="-128"/>
-              </a:rPr>
-              <a:t>annotate</a:t>
-            </a:r>
-            <a:r>
-              <a:rPr lang="en-US" sz="4000" kern="0" dirty="0" smtClean="0">
-                <a:ea typeface="ＭＳ Ｐゴシック" pitchFamily="-109" charset="-128"/>
-                <a:cs typeface="ＭＳ Ｐゴシック" pitchFamily="-109" charset="-128"/>
-              </a:rPr>
-              <a:t> </a:t>
-            </a:r>
-            <a:r>
-              <a:rPr lang="en-US" sz="4000" kern="0" dirty="0" smtClean="0">
-                <a:ea typeface="ＭＳ Ｐゴシック" pitchFamily="-109" charset="-128"/>
-                <a:cs typeface="ＭＳ Ｐゴシック" pitchFamily="-109" charset="-128"/>
-              </a:rPr>
-              <a:t>and </a:t>
+              <a:t>Semantic Integration Workbench (SIW) cannot annotate and </a:t>
             </a:r>
             <a:r>
               <a:rPr lang="en-US" sz="4000" kern="0" dirty="0" err="1" smtClean="0">
@@ -2817,26 +2721,8 @@
                 <a:ea typeface="ＭＳ Ｐゴシック" pitchFamily="-109" charset="-128"/>
                 <a:cs typeface="ＭＳ Ｐゴシック" pitchFamily="-109" charset="-128"/>
               </a:rPr>
-              <a:t> cannot</a:t>
-            </a:r>
-            <a:r>
-              <a:rPr lang="en-US" sz="4000" kern="0" dirty="0" smtClean="0">
-                <a:ea typeface="ＭＳ Ｐゴシック" pitchFamily="-109" charset="-128"/>
-                <a:cs typeface="ＭＳ Ｐゴシック" pitchFamily="-109" charset="-128"/>
-              </a:rPr>
-              <a:t> </a:t>
-            </a:r>
-            <a:r>
-              <a:rPr lang="en-US" sz="4000" kern="0" dirty="0" smtClean="0">
-                <a:ea typeface="ＭＳ Ｐゴシック" pitchFamily="-109" charset="-128"/>
-                <a:cs typeface="ＭＳ Ｐゴシック" pitchFamily="-109" charset="-128"/>
-              </a:rPr>
-              <a:t>store a model that is annotated by more that one metadata registry</a:t>
-            </a:r>
-            <a:endParaRPr lang="en-US" sz="4000" kern="0" dirty="0" smtClean="0">
-              <a:ea typeface="ＭＳ Ｐゴシック" pitchFamily="-109" charset="-128"/>
-              <a:cs typeface="ＭＳ Ｐゴシック" pitchFamily="-109" charset="-128"/>
-            </a:endParaRPr>
+              <a:t> cannot store a model that is annotated by more that one metadata registry</a:t>
+            </a:r>
           </a:p>
           <a:p>
             <a:pPr marL="453090" indent="-453090" algn="just">
@@ -2858,28 +2744,7 @@
                 <a:ea typeface="ＭＳ Ｐゴシック" pitchFamily="-109" charset="-128"/>
                 <a:cs typeface="ＭＳ Ｐゴシック" pitchFamily="-109" charset="-128"/>
               </a:rPr>
-              <a:t> </a:t>
-            </a:r>
-            <a:r>
-              <a:rPr lang="en-US" sz="4000" kern="0" dirty="0" smtClean="0">
-                <a:ea typeface="ＭＳ Ｐゴシック" pitchFamily="-109" charset="-128"/>
-                <a:cs typeface="ＭＳ Ｐゴシック" pitchFamily="-109" charset="-128"/>
-              </a:rPr>
-              <a:t>tools currently can only create grid data services that use models which have gone through the</a:t>
-            </a:r>
-            <a:r>
-              <a:rPr lang="en-US" sz="4000" kern="0" dirty="0" smtClean="0">
-                <a:ea typeface="ＭＳ Ｐゴシック" pitchFamily="-109" charset="-128"/>
-                <a:cs typeface="ＭＳ Ｐゴシック" pitchFamily="-109" charset="-128"/>
-              </a:rPr>
-              <a:t> (</a:t>
-            </a:r>
-            <a:r>
-              <a:rPr lang="en-US" sz="4000" kern="0" dirty="0" smtClean="0">
-                <a:ea typeface="ＭＳ Ｐゴシック" pitchFamily="-109" charset="-128"/>
-                <a:cs typeface="ＭＳ Ｐゴシック" pitchFamily="-109" charset="-128"/>
-              </a:rPr>
-              <a:t>SIW), which makes current use of NCI source of metadata approach inevitable.</a:t>
+              <a:t> tools currently can only create grid data services that use models which have gone through the (SIW), which makes current use of NCI source of metadata approach inevitable.</a:t>
             </a:r>
             <a:endParaRPr lang="en-US" sz="2800" kern="0" dirty="0" smtClean="0">
               <a:ea typeface="ＭＳ Ｐゴシック" pitchFamily="-109" charset="-128"/>
@@ -3047,15 +2912,7 @@
             </a:pPr>
             <a:r>
               <a:rPr lang="en-US" sz="4000" b="1" dirty="0" smtClean="0"/>
-              <a:t>MDR </a:t>
-            </a:r>
-            <a:r>
-              <a:rPr lang="en-US" sz="4000" b="1" dirty="0" smtClean="0"/>
-              <a:t>Core - ISO11179 </a:t>
-            </a:r>
-            <a:r>
-              <a:rPr lang="en-US" sz="4000" b="1" dirty="0" smtClean="0"/>
-              <a:t>Database</a:t>
+              <a:t>MDR Core - ISO11179 Database</a:t>
             </a:r>
           </a:p>
           <a:p>
@@ -3076,13 +2933,8 @@
             </a:r>
             <a:r>
               <a:rPr lang="en-US" sz="4000" dirty="0" smtClean="0"/>
-              <a:t> iso11179 database</a:t>
-            </a:r>
-            <a:r>
-              <a:rPr lang="en-US" sz="4000" dirty="0" smtClean="0"/>
-              <a:t>.</a:t>
-            </a:r>
-            <a:endParaRPr lang="en-US" sz="4000" dirty="0" smtClean="0"/>
+              <a:t> iso11179 database.</a:t>
+            </a:r>
           </a:p>
           <a:p>
             <a:pPr marL="3659188" lvl="2" indent="-452438" algn="just">
@@ -3094,15 +2946,7 @@
             </a:pPr>
             <a:r>
               <a:rPr lang="en-US" sz="4000" dirty="0" smtClean="0"/>
-              <a:t>Built </a:t>
-            </a:r>
-            <a:r>
-              <a:rPr lang="en-US" sz="4000" dirty="0" smtClean="0"/>
-              <a:t>on</a:t>
-            </a:r>
-            <a:r>
-              <a:rPr lang="en-US" sz="4000" dirty="0" smtClean="0"/>
-              <a:t> </a:t>
+              <a:t>Built on </a:t>
             </a:r>
             <a:r>
               <a:rPr lang="en-US" sz="4000" i="1" dirty="0" smtClean="0"/>
@@ -3165,11 +3009,7 @@
             </a:r>
             <a:r>
               <a:rPr lang="en-US" sz="4000" dirty="0" smtClean="0"/>
-              <a:t> semantic metadata</a:t>
-            </a:r>
-            <a:r>
-              <a:rPr lang="en-US" sz="4000" dirty="0" smtClean="0"/>
-              <a:t>.</a:t>
+              <a:t> semantic metadata.</a:t>
             </a:r>
           </a:p>
           <a:p>
@@ -3184,15 +3024,7 @@
             </a:r>
             <a:r>
               <a:rPr lang="en-US" sz="4000" dirty="0" smtClean="0"/>
-              <a:t> -</a:t>
-            </a:r>
-            <a:r>
-              <a:rPr lang="en-US" sz="4000" dirty="0" smtClean="0"/>
-              <a:t> API </a:t>
-            </a:r>
-            <a:r>
-              <a:rPr lang="en-US" sz="4000" dirty="0" smtClean="0"/>
-              <a:t>and Grid Service for querying across many disparate semantic metadata repositories and using the information for data model annotation.</a:t>
+              <a:t> - API and Grid Service for querying across many disparate semantic metadata repositories and using the information for data model annotation.</a:t>
             </a:r>
           </a:p>
           <a:p>
@@ -3209,15 +3041,7 @@
             </a:r>
             <a:r>
               <a:rPr lang="en-US" sz="4000" dirty="0" smtClean="0"/>
-              <a:t> grid service</a:t>
-            </a:r>
-            <a:r>
-              <a:rPr lang="en-US" sz="4000" dirty="0" smtClean="0"/>
-              <a:t> - capable </a:t>
-            </a:r>
-            <a:r>
-              <a:rPr lang="en-US" sz="4000" dirty="0" smtClean="0"/>
-              <a:t>of talking to </a:t>
+              <a:t> grid service - capable of talking to </a:t>
             </a:r>
             <a:r>
               <a:rPr lang="en-US" sz="4000" dirty="0" err="1" smtClean="0"/>
@@ -3241,29 +3065,8 @@
             </a:r>
             <a:r>
               <a:rPr lang="en-US" sz="4000" dirty="0" smtClean="0"/>
-              <a:t> systems enabling federated query of common data elements</a:t>
-            </a:r>
-            <a:r>
-              <a:rPr lang="en-US" sz="4000" dirty="0" smtClean="0"/>
-              <a:t> </a:t>
-            </a:r>
-            <a:r>
-              <a:rPr lang="en-US" sz="4000" dirty="0" smtClean="0"/>
-              <a:t>and</a:t>
-            </a:r>
-            <a:r>
-              <a:rPr lang="en-US" sz="4000" dirty="0" smtClean="0"/>
-              <a:t> </a:t>
-            </a:r>
-            <a:r>
-              <a:rPr lang="en-US" sz="4000" dirty="0" smtClean="0"/>
-              <a:t>concepts</a:t>
-            </a:r>
-            <a:r>
-              <a:rPr lang="en-US" sz="4000" dirty="0" smtClean="0"/>
-              <a:t>.</a:t>
-            </a:r>
-            <a:endParaRPr lang="en-US" sz="4000" dirty="0" smtClean="0"/>
+              <a:t> systems enabling federated query of common data elements and concepts.</a:t>
+            </a:r>
           </a:p>
           <a:p>
             <a:pPr marL="3646488" lvl="2" indent="-452438" algn="just">
@@ -3275,11 +3078,7 @@
             </a:pPr>
             <a:r>
               <a:rPr lang="en-US" sz="4000" dirty="0" smtClean="0"/>
-              <a:t>Enhances </a:t>
-            </a:r>
-            <a:r>
-              <a:rPr lang="en-US" sz="4000" dirty="0" smtClean="0"/>
-              <a:t>and wraps the </a:t>
+              <a:t>Enhances and wraps the </a:t>
             </a:r>
             <a:r>
               <a:rPr lang="en-US" sz="4000" dirty="0" err="1" smtClean="0"/>
@@ -3295,11 +3094,7 @@
             </a:r>
             <a:r>
               <a:rPr lang="en-US" sz="4000" dirty="0" smtClean="0"/>
-              <a:t> in order to parse the received information into a common format</a:t>
-            </a:r>
-            <a:r>
-              <a:rPr lang="en-US" sz="4000" dirty="0" smtClean="0"/>
-              <a:t>.</a:t>
+              <a:t> in order to parse the received information into a common format.</a:t>
             </a:r>
           </a:p>
           <a:p>
@@ -3316,19 +3111,7 @@
             </a:r>
             <a:r>
               <a:rPr lang="en-US" sz="4000" dirty="0" smtClean="0"/>
-              <a:t> </a:t>
-            </a:r>
-            <a:r>
-              <a:rPr lang="en-US" sz="4000" dirty="0" smtClean="0"/>
-              <a:t>service enables it to be deployed in any local or production grid environment and</a:t>
-            </a:r>
-            <a:r>
-              <a:rPr lang="en-US" sz="4000" dirty="0" smtClean="0"/>
-              <a:t> can be configured </a:t>
-            </a:r>
-            <a:r>
-              <a:rPr lang="en-US" sz="4000" dirty="0" smtClean="0"/>
-              <a:t>and modified to talk to many semantic metadata systems.</a:t>
+              <a:t> service enables it to be deployed in any local or production grid environment and can be configured and modified to talk to many semantic metadata systems.</a:t>
             </a:r>
           </a:p>
         </p:txBody>
@@ -3430,31 +3213,7 @@
             </a:r>
             <a:r>
               <a:rPr lang="en-US" sz="4000" dirty="0" smtClean="0"/>
-              <a:t>- A</a:t>
-            </a:r>
-            <a:r>
-              <a:rPr lang="en-US" sz="4000" dirty="0" smtClean="0"/>
-              <a:t> set of </a:t>
-            </a:r>
-            <a:r>
-              <a:rPr lang="en-US" sz="4000" dirty="0" smtClean="0"/>
-              <a:t>tools that can be used in</a:t>
-            </a:r>
-            <a:r>
-              <a:rPr lang="en-US" sz="4000" dirty="0" smtClean="0"/>
-              <a:t> commercial </a:t>
-            </a:r>
-            <a:r>
-              <a:rPr lang="en-US" sz="4000" dirty="0" smtClean="0"/>
-              <a:t>modeling </a:t>
-            </a:r>
-            <a:r>
-              <a:rPr lang="en-US" sz="4000" dirty="0" smtClean="0"/>
-              <a:t>tool such </a:t>
-            </a:r>
-            <a:r>
-              <a:rPr lang="en-US" sz="4000" dirty="0" smtClean="0"/>
-              <a:t>as </a:t>
+              <a:t>- A set of tools that can be used in commercial modeling tool such as </a:t>
             </a:r>
             <a:r>
               <a:rPr lang="en-US" sz="4000" i="1" dirty="0" smtClean="0"/>
@@ -3464,7 +3223,6 @@
               <a:rPr lang="en-US" sz="4000" dirty="0" smtClean="0"/>
               <a:t>, to enable the semantic annotation of federated semantics.</a:t>
             </a:r>
-            <a:endParaRPr lang="en-US" sz="4000" dirty="0" smtClean="0"/>
           </a:p>
           <a:p>
             <a:pPr marL="3646488" lvl="2" indent="-452438" algn="just">
@@ -3484,19 +3242,7 @@
             </a:r>
             <a:r>
               <a:rPr lang="en-US" sz="4000" dirty="0" smtClean="0"/>
-              <a:t> service for locating and utilizing</a:t>
-            </a:r>
-            <a:r>
-              <a:rPr lang="en-US" sz="4000" dirty="0" smtClean="0"/>
-              <a:t> common </a:t>
-            </a:r>
-            <a:r>
-              <a:rPr lang="en-US" sz="4000" dirty="0" smtClean="0"/>
-              <a:t>data </a:t>
-            </a:r>
-            <a:r>
-              <a:rPr lang="en-US" sz="4000" dirty="0" smtClean="0"/>
-              <a:t>elements (</a:t>
+              <a:t> service for locating and utilizing common data elements (</a:t>
             </a:r>
             <a:r>
               <a:rPr lang="en-US" sz="4000" dirty="0" err="1" smtClean="0"/>
@@ -3504,15 +3250,7 @@
             </a:r>
             <a:r>
               <a:rPr lang="en-US" sz="4000" dirty="0" smtClean="0"/>
-              <a:t>) </a:t>
-            </a:r>
-            <a:r>
-              <a:rPr lang="en-US" sz="4000" dirty="0" smtClean="0"/>
-              <a:t>from many semantic metadata sources for annotation of classes and attributes of the logical model</a:t>
-            </a:r>
-            <a:r>
-              <a:rPr lang="en-US" sz="4000" dirty="0" smtClean="0"/>
-              <a:t>.</a:t>
+              <a:t>) from many semantic metadata sources for annotation of classes and attributes of the logical model.</a:t>
             </a:r>
           </a:p>
           <a:p>
@@ -3525,19 +3263,7 @@
             </a:pPr>
             <a:r>
               <a:rPr lang="en-US" sz="4000" dirty="0" smtClean="0"/>
-              <a:t>Tags are created that identify the service and </a:t>
-            </a:r>
-            <a:r>
-              <a:rPr lang="en-US" sz="4000" dirty="0" smtClean="0"/>
-              <a:t>CDE via local </a:t>
-            </a:r>
-            <a:r>
-              <a:rPr lang="en-US" sz="4000" dirty="0" smtClean="0"/>
-              <a:t>unique id to enable more information to be retrieved by a consumer of the model if </a:t>
-            </a:r>
-            <a:r>
-              <a:rPr lang="en-US" sz="4000" dirty="0" smtClean="0"/>
-              <a:t>desired.</a:t>
+              <a:t>Tags are created that identify the service and CDE via local unique id to enable more information to be retrieved by a consumer of the model if desired.</a:t>
             </a:r>
           </a:p>
           <a:p>
@@ -3550,15 +3276,7 @@
             </a:pPr>
             <a:r>
               <a:rPr lang="en-US" sz="4000" dirty="0" smtClean="0"/>
-              <a:t>No </a:t>
-            </a:r>
-            <a:r>
-              <a:rPr lang="en-US" sz="4000" dirty="0" smtClean="0"/>
-              <a:t>need to leave the EA environment</a:t>
-            </a:r>
-            <a:r>
-              <a:rPr lang="en-US" sz="4000" dirty="0" smtClean="0"/>
-              <a:t>.</a:t>
+              <a:t>No need to leave the EA environment.</a:t>
             </a:r>
           </a:p>
           <a:p>
@@ -3581,25 +3299,8 @@
             </a:r>
             <a:r>
               <a:rPr lang="en-US" sz="4000" dirty="0" smtClean="0"/>
-              <a:t> annotated model and create service metadata which will enable the service to be </a:t>
-            </a:r>
-            <a:r>
-              <a:rPr lang="en-US" sz="4000" dirty="0" smtClean="0"/>
-              <a:t>a </a:t>
-            </a:r>
-            <a:r>
-              <a:rPr lang="en-US" sz="4000" dirty="0" smtClean="0"/>
-              <a:t>semantically annotated grid service which can be</a:t>
-            </a:r>
-            <a:r>
-              <a:rPr lang="en-US" sz="4000" dirty="0" smtClean="0"/>
-              <a:t> easily </a:t>
-            </a:r>
-            <a:r>
-              <a:rPr lang="en-US" sz="4000" dirty="0" smtClean="0"/>
-              <a:t>discovered</a:t>
-            </a:r>
-            <a:endParaRPr lang="en-US" sz="4000" dirty="0" smtClean="0"/>
+              <a:t> annotated model and create service metadata which will enable the service to be a semantically annotated grid service which can be easily discovered</a:t>
+            </a:r>
           </a:p>
           <a:p>
             <a:pPr marL="3646488" lvl="1" indent="-452438" algn="just">
@@ -3611,19 +3312,7 @@
             </a:pPr>
             <a:r>
               <a:rPr lang="en-US" sz="4000" dirty="0" smtClean="0"/>
-              <a:t>The </a:t>
-            </a:r>
-            <a:r>
-              <a:rPr lang="en-US" sz="4000" dirty="0" smtClean="0"/>
-              <a:t>metadata can</a:t>
-            </a:r>
-            <a:r>
-              <a:rPr lang="en-US" sz="4000" dirty="0" smtClean="0"/>
-              <a:t> be </a:t>
-            </a:r>
-            <a:r>
-              <a:rPr lang="en-US" sz="4000" dirty="0" smtClean="0"/>
-              <a:t>used to generate a data service using the Introduce Data Service Wizard which prior to this tool would only be able to utilize the </a:t>
+              <a:t>The metadata can be used to generate a data service using the Introduce Data Service Wizard which prior to this tool would only be able to utilize the </a:t>
             </a:r>
             <a:r>
               <a:rPr lang="en-US" sz="4000" dirty="0" err="1" smtClean="0"/>
@@ -3631,11 +3320,7 @@
             </a:r>
             <a:r>
               <a:rPr lang="en-US" sz="4000" dirty="0" smtClean="0"/>
-              <a:t>, </a:t>
-            </a:r>
-            <a:r>
-              <a:rPr lang="en-US" sz="4000" dirty="0" smtClean="0"/>
-              <a:t>can now generate data services annotated with data models from almost anywhere.</a:t>
+              <a:t>, can now generate data services annotated with data models from almost anywhere.</a:t>
             </a:r>
           </a:p>
         </p:txBody>
@@ -3697,7 +3382,7 @@
       </p:sp>
       <p:pic>
         <p:nvPicPr>
-          <p:cNvPr id="29" name="Picture 28"/>
+          <p:cNvPr id="30" name="Picture 29"/>
           <p:cNvPicPr>
             <a:picLocks noChangeAspect="1"/>
           </p:cNvPicPr>
@@ -3705,30 +3390,6 @@
         </p:nvPicPr>
         <p:blipFill>
           <a:blip r:embed="rId7"/>
-          <a:stretch>
-            <a:fillRect/>
-          </a:stretch>
-        </p:blipFill>
-        <p:spPr>
-          <a:xfrm>
-            <a:off x="32613600" y="23393400"/>
-            <a:ext cx="8382000" cy="17485204"/>
-          </a:xfrm>
-          <a:prstGeom prst="rect">
-            <a:avLst/>
-          </a:prstGeom>
-        </p:spPr>
-      </p:pic>
-      <p:pic>
-        <p:nvPicPr>
-          <p:cNvPr id="30" name="Picture 29"/>
-          <p:cNvPicPr>
-            <a:picLocks noChangeAspect="1"/>
-          </p:cNvPicPr>
-          <p:nvPr/>
-        </p:nvPicPr>
-        <p:blipFill>
-          <a:blip r:embed="rId8"/>
           <a:stretch>
             <a:fillRect/>
           </a:stretch>
@@ -3752,7 +3413,7 @@
           <p:nvPr/>
         </p:nvPicPr>
         <p:blipFill>
-          <a:blip r:embed="rId9"/>
+          <a:blip r:embed="rId8"/>
           <a:stretch>
             <a:fillRect/>
           </a:stretch>
@@ -3776,7 +3437,7 @@
           <p:nvPr/>
         </p:nvPicPr>
         <p:blipFill>
-          <a:blip r:embed="rId10"/>
+          <a:blip r:embed="rId9"/>
           <a:stretch>
             <a:fillRect/>
           </a:stretch>
@@ -3800,7 +3461,7 @@
           <p:nvPr/>
         </p:nvPicPr>
         <p:blipFill>
-          <a:blip r:embed="rId11"/>
+          <a:blip r:embed="rId10"/>
           <a:stretch>
             <a:fillRect/>
           </a:stretch>
@@ -3809,6 +3470,30 @@
           <a:xfrm>
             <a:off x="29718000" y="19278600"/>
             <a:ext cx="3886200" cy="3238500"/>
+          </a:xfrm>
+          <a:prstGeom prst="rect">
+            <a:avLst/>
+          </a:prstGeom>
+        </p:spPr>
+      </p:pic>
+      <p:pic>
+        <p:nvPicPr>
+          <p:cNvPr id="25" name="Picture 24"/>
+          <p:cNvPicPr>
+            <a:picLocks noChangeAspect="1"/>
+          </p:cNvPicPr>
+          <p:nvPr/>
+        </p:nvPicPr>
+        <p:blipFill>
+          <a:blip r:embed="rId11"/>
+          <a:stretch>
+            <a:fillRect/>
+          </a:stretch>
+        </p:blipFill>
+        <p:spPr>
+          <a:xfrm>
+            <a:off x="32308800" y="23240999"/>
+            <a:ext cx="8534400" cy="17803117"/>
           </a:xfrm>
           <a:prstGeom prst="rect">
             <a:avLst/>
